--- a/docs/uml/UML.pptx
+++ b/docs/uml/UML.pptx
@@ -15,9 +15,10 @@
     <p:sldId id="260" r:id="rId12"/>
     <p:sldId id="261" r:id="rId13"/>
     <p:sldId id="266" r:id="rId14"/>
-    <p:sldId id="265" r:id="rId15"/>
-    <p:sldId id="258" r:id="rId16"/>
-    <p:sldId id="264" r:id="rId17"/>
+    <p:sldId id="269" r:id="rId15"/>
+    <p:sldId id="265" r:id="rId16"/>
+    <p:sldId id="258" r:id="rId17"/>
+    <p:sldId id="264" r:id="rId18"/>
   </p:sldIdLst>
   <p:sldSz cx="12192000" cy="6858000"/>
   <p:notesSz cx="6858000" cy="9144000"/>
@@ -265,7 +266,7 @@
           <a:p>
             <a:fld id="{846CE7D5-CF57-46EF-B807-FDD0502418D4}" type="datetimeFigureOut">
               <a:rPr lang="en-GB" smtClean="0"/>
-              <a:t>06/04/2023</a:t>
+              <a:t>07/04/2023</a:t>
             </a:fld>
             <a:endParaRPr lang="en-GB"/>
           </a:p>
@@ -435,7 +436,7 @@
           <a:p>
             <a:fld id="{846CE7D5-CF57-46EF-B807-FDD0502418D4}" type="datetimeFigureOut">
               <a:rPr lang="en-GB" smtClean="0"/>
-              <a:t>06/04/2023</a:t>
+              <a:t>07/04/2023</a:t>
             </a:fld>
             <a:endParaRPr lang="en-GB"/>
           </a:p>
@@ -615,7 +616,7 @@
           <a:p>
             <a:fld id="{846CE7D5-CF57-46EF-B807-FDD0502418D4}" type="datetimeFigureOut">
               <a:rPr lang="en-GB" smtClean="0"/>
-              <a:t>06/04/2023</a:t>
+              <a:t>07/04/2023</a:t>
             </a:fld>
             <a:endParaRPr lang="en-GB"/>
           </a:p>
@@ -785,7 +786,7 @@
           <a:p>
             <a:fld id="{846CE7D5-CF57-46EF-B807-FDD0502418D4}" type="datetimeFigureOut">
               <a:rPr lang="en-GB" smtClean="0"/>
-              <a:t>06/04/2023</a:t>
+              <a:t>07/04/2023</a:t>
             </a:fld>
             <a:endParaRPr lang="en-GB"/>
           </a:p>
@@ -1031,7 +1032,7 @@
           <a:p>
             <a:fld id="{846CE7D5-CF57-46EF-B807-FDD0502418D4}" type="datetimeFigureOut">
               <a:rPr lang="en-GB" smtClean="0"/>
-              <a:t>06/04/2023</a:t>
+              <a:t>07/04/2023</a:t>
             </a:fld>
             <a:endParaRPr lang="en-GB"/>
           </a:p>
@@ -1263,7 +1264,7 @@
           <a:p>
             <a:fld id="{846CE7D5-CF57-46EF-B807-FDD0502418D4}" type="datetimeFigureOut">
               <a:rPr lang="en-GB" smtClean="0"/>
-              <a:t>06/04/2023</a:t>
+              <a:t>07/04/2023</a:t>
             </a:fld>
             <a:endParaRPr lang="en-GB"/>
           </a:p>
@@ -1630,7 +1631,7 @@
           <a:p>
             <a:fld id="{846CE7D5-CF57-46EF-B807-FDD0502418D4}" type="datetimeFigureOut">
               <a:rPr lang="en-GB" smtClean="0"/>
-              <a:t>06/04/2023</a:t>
+              <a:t>07/04/2023</a:t>
             </a:fld>
             <a:endParaRPr lang="en-GB"/>
           </a:p>
@@ -1748,7 +1749,7 @@
           <a:p>
             <a:fld id="{846CE7D5-CF57-46EF-B807-FDD0502418D4}" type="datetimeFigureOut">
               <a:rPr lang="en-GB" smtClean="0"/>
-              <a:t>06/04/2023</a:t>
+              <a:t>07/04/2023</a:t>
             </a:fld>
             <a:endParaRPr lang="en-GB"/>
           </a:p>
@@ -1843,7 +1844,7 @@
           <a:p>
             <a:fld id="{846CE7D5-CF57-46EF-B807-FDD0502418D4}" type="datetimeFigureOut">
               <a:rPr lang="en-GB" smtClean="0"/>
-              <a:t>06/04/2023</a:t>
+              <a:t>07/04/2023</a:t>
             </a:fld>
             <a:endParaRPr lang="en-GB"/>
           </a:p>
@@ -2120,7 +2121,7 @@
           <a:p>
             <a:fld id="{846CE7D5-CF57-46EF-B807-FDD0502418D4}" type="datetimeFigureOut">
               <a:rPr lang="en-GB" smtClean="0"/>
-              <a:t>06/04/2023</a:t>
+              <a:t>07/04/2023</a:t>
             </a:fld>
             <a:endParaRPr lang="en-GB"/>
           </a:p>
@@ -2377,7 +2378,7 @@
           <a:p>
             <a:fld id="{846CE7D5-CF57-46EF-B807-FDD0502418D4}" type="datetimeFigureOut">
               <a:rPr lang="en-GB" smtClean="0"/>
-              <a:t>06/04/2023</a:t>
+              <a:t>07/04/2023</a:t>
             </a:fld>
             <a:endParaRPr lang="en-GB"/>
           </a:p>
@@ -2590,7 +2591,7 @@
           <a:p>
             <a:fld id="{846CE7D5-CF57-46EF-B807-FDD0502418D4}" type="datetimeFigureOut">
               <a:rPr lang="en-GB" smtClean="0"/>
-              <a:t>06/04/2023</a:t>
+              <a:t>07/04/2023</a:t>
             </a:fld>
             <a:endParaRPr lang="en-GB"/>
           </a:p>
@@ -5577,6 +5578,1120 @@
           <p:cNvPr id="2" name="Title 1">
             <a:extLst>
               <a:ext uri="{FF2B5EF4-FFF2-40B4-BE49-F238E27FC236}">
+                <a16:creationId xmlns:a16="http://schemas.microsoft.com/office/drawing/2014/main" id="{DACAB4BF-1761-33AE-ACEB-137A3FEA63BE}"/>
+              </a:ext>
+            </a:extLst>
+          </p:cNvPr>
+          <p:cNvSpPr>
+            <a:spLocks noGrp="1"/>
+          </p:cNvSpPr>
+          <p:nvPr>
+            <p:ph type="title"/>
+          </p:nvPr>
+        </p:nvSpPr>
+        <p:spPr>
+          <a:xfrm>
+            <a:off x="838200" y="55009"/>
+            <a:ext cx="10515600" cy="1325563"/>
+          </a:xfrm>
+        </p:spPr>
+        <p:txBody>
+          <a:bodyPr/>
+          <a:lstStyle/>
+          <a:p>
+            <a:r>
+              <a:rPr lang="en-US" dirty="0" err="1">
+                <a:cs typeface="Calibri Light"/>
+              </a:rPr>
+              <a:t>NutritionCommand</a:t>
+            </a:r>
+            <a:r>
+              <a:rPr lang="en-US" dirty="0">
+                <a:cs typeface="Calibri Light"/>
+              </a:rPr>
+              <a:t> UML</a:t>
+            </a:r>
+            <a:endParaRPr lang="en-US" dirty="0"/>
+          </a:p>
+        </p:txBody>
+      </p:sp>
+      <p:pic>
+        <p:nvPicPr>
+          <p:cNvPr id="5" name="Graphic 4" descr="Man with solid fill">
+            <a:extLst>
+              <a:ext uri="{FF2B5EF4-FFF2-40B4-BE49-F238E27FC236}">
+                <a16:creationId xmlns:a16="http://schemas.microsoft.com/office/drawing/2014/main" id="{1B62F156-4F6B-4CF3-E7E4-68794B730DDA}"/>
+              </a:ext>
+            </a:extLst>
+          </p:cNvPr>
+          <p:cNvPicPr>
+            <a:picLocks noChangeAspect="1"/>
+          </p:cNvPicPr>
+          <p:nvPr/>
+        </p:nvPicPr>
+        <p:blipFill>
+          <a:blip r:embed="rId2">
+            <a:extLst>
+              <a:ext uri="{96DAC541-7B7A-43D3-8B79-37D633B846F1}">
+                <asvg:svgBlip xmlns:asvg="http://schemas.microsoft.com/office/drawing/2016/SVG/main" r:embed="rId3"/>
+              </a:ext>
+            </a:extLst>
+          </a:blip>
+          <a:stretch>
+            <a:fillRect/>
+          </a:stretch>
+        </p:blipFill>
+        <p:spPr>
+          <a:xfrm>
+            <a:off x="888284" y="1049079"/>
+            <a:ext cx="914400" cy="914400"/>
+          </a:xfrm>
+          <a:prstGeom prst="rect">
+            <a:avLst/>
+          </a:prstGeom>
+        </p:spPr>
+      </p:pic>
+      <p:sp>
+        <p:nvSpPr>
+          <p:cNvPr id="7" name="TextBox 6">
+            <a:extLst>
+              <a:ext uri="{FF2B5EF4-FFF2-40B4-BE49-F238E27FC236}">
+                <a16:creationId xmlns:a16="http://schemas.microsoft.com/office/drawing/2014/main" id="{C59C88B9-81BA-514D-51E4-DAB8A46A61C0}"/>
+              </a:ext>
+            </a:extLst>
+          </p:cNvPr>
+          <p:cNvSpPr txBox="1"/>
+          <p:nvPr/>
+        </p:nvSpPr>
+        <p:spPr>
+          <a:xfrm>
+            <a:off x="884739" y="1918291"/>
+            <a:ext cx="930348" cy="369332"/>
+          </a:xfrm>
+          <a:prstGeom prst="rect">
+            <a:avLst/>
+          </a:prstGeom>
+          <a:noFill/>
+        </p:spPr>
+        <p:txBody>
+          <a:bodyPr rot="0" spcFirstLastPara="0" vertOverflow="overflow" horzOverflow="overflow" vert="horz" wrap="square" lIns="91440" tIns="45720" rIns="91440" bIns="45720" numCol="1" spcCol="0" rtlCol="0" fromWordArt="0" anchor="t" anchorCtr="0" forceAA="0" compatLnSpc="1">
+            <a:prstTxWarp prst="textNoShape">
+              <a:avLst/>
+            </a:prstTxWarp>
+            <a:spAutoFit/>
+          </a:bodyPr>
+          <a:lstStyle/>
+          <a:p>
+            <a:pPr algn="ctr"/>
+            <a:r>
+              <a:rPr lang="en-US" dirty="0">
+                <a:cs typeface="Calibri"/>
+              </a:rPr>
+              <a:t>User</a:t>
+            </a:r>
+          </a:p>
+        </p:txBody>
+      </p:sp>
+      <p:cxnSp>
+        <p:nvCxnSpPr>
+          <p:cNvPr id="9" name="Straight Arrow Connector 8">
+            <a:extLst>
+              <a:ext uri="{FF2B5EF4-FFF2-40B4-BE49-F238E27FC236}">
+                <a16:creationId xmlns:a16="http://schemas.microsoft.com/office/drawing/2014/main" id="{35951A2D-EE45-6E59-63CE-A997FB1BC938}"/>
+              </a:ext>
+            </a:extLst>
+          </p:cNvPr>
+          <p:cNvCxnSpPr/>
+          <p:nvPr/>
+        </p:nvCxnSpPr>
+        <p:spPr>
+          <a:xfrm flipV="1">
+            <a:off x="1384910" y="2420923"/>
+            <a:ext cx="2149001" cy="10480"/>
+          </a:xfrm>
+          <a:prstGeom prst="straightConnector1">
+            <a:avLst/>
+          </a:prstGeom>
+          <a:ln w="12700">
+            <a:tailEnd type="triangle"/>
+          </a:ln>
+        </p:spPr>
+        <p:style>
+          <a:lnRef idx="1">
+            <a:schemeClr val="accent1"/>
+          </a:lnRef>
+          <a:fillRef idx="0">
+            <a:schemeClr val="accent1"/>
+          </a:fillRef>
+          <a:effectRef idx="0">
+            <a:schemeClr val="accent1"/>
+          </a:effectRef>
+          <a:fontRef idx="minor">
+            <a:schemeClr val="tx1"/>
+          </a:fontRef>
+        </p:style>
+      </p:cxnSp>
+      <p:sp>
+        <p:nvSpPr>
+          <p:cNvPr id="11" name="Rectangle 10">
+            <a:extLst>
+              <a:ext uri="{FF2B5EF4-FFF2-40B4-BE49-F238E27FC236}">
+                <a16:creationId xmlns:a16="http://schemas.microsoft.com/office/drawing/2014/main" id="{6A45A5C9-569A-7A98-DC01-47475AE473B1}"/>
+              </a:ext>
+            </a:extLst>
+          </p:cNvPr>
+          <p:cNvSpPr/>
+          <p:nvPr/>
+        </p:nvSpPr>
+        <p:spPr>
+          <a:xfrm>
+            <a:off x="2627536" y="1921133"/>
+            <a:ext cx="1981403" cy="285959"/>
+          </a:xfrm>
+          <a:prstGeom prst="rect">
+            <a:avLst/>
+          </a:prstGeom>
+        </p:spPr>
+        <p:style>
+          <a:lnRef idx="2">
+            <a:schemeClr val="accent1">
+              <a:shade val="50000"/>
+            </a:schemeClr>
+          </a:lnRef>
+          <a:fillRef idx="1">
+            <a:schemeClr val="accent1"/>
+          </a:fillRef>
+          <a:effectRef idx="0">
+            <a:schemeClr val="accent1"/>
+          </a:effectRef>
+          <a:fontRef idx="minor">
+            <a:schemeClr val="lt1"/>
+          </a:fontRef>
+        </p:style>
+        <p:txBody>
+          <a:bodyPr lIns="91440" tIns="45720" rIns="91440" bIns="45720" rtlCol="0" anchor="ctr"/>
+          <a:lstStyle/>
+          <a:p>
+            <a:pPr algn="ctr"/>
+            <a:r>
+              <a:rPr lang="en-US" sz="1400" dirty="0">
+                <a:cs typeface="Calibri"/>
+              </a:rPr>
+              <a:t>:</a:t>
+            </a:r>
+            <a:r>
+              <a:rPr lang="en-US" sz="1400" dirty="0" err="1">
+                <a:cs typeface="Calibri"/>
+              </a:rPr>
+              <a:t>NutritionCommand</a:t>
+            </a:r>
+            <a:endParaRPr lang="en-US" sz="1400" dirty="0"/>
+          </a:p>
+        </p:txBody>
+      </p:sp>
+      <p:sp>
+        <p:nvSpPr>
+          <p:cNvPr id="13" name="TextBox 12">
+            <a:extLst>
+              <a:ext uri="{FF2B5EF4-FFF2-40B4-BE49-F238E27FC236}">
+                <a16:creationId xmlns:a16="http://schemas.microsoft.com/office/drawing/2014/main" id="{7810D89D-19F7-860B-6B1C-3773EF238001}"/>
+              </a:ext>
+            </a:extLst>
+          </p:cNvPr>
+          <p:cNvSpPr txBox="1"/>
+          <p:nvPr/>
+        </p:nvSpPr>
+        <p:spPr>
+          <a:xfrm>
+            <a:off x="1567203" y="2169495"/>
+            <a:ext cx="998275" cy="276999"/>
+          </a:xfrm>
+          <a:prstGeom prst="rect">
+            <a:avLst/>
+          </a:prstGeom>
+          <a:noFill/>
+        </p:spPr>
+        <p:txBody>
+          <a:bodyPr rot="0" spcFirstLastPara="0" vertOverflow="overflow" horzOverflow="overflow" vert="horz" wrap="square" lIns="91440" tIns="45720" rIns="91440" bIns="45720" numCol="1" spcCol="0" rtlCol="0" fromWordArt="0" anchor="t" anchorCtr="0" forceAA="0" compatLnSpc="1">
+            <a:prstTxWarp prst="textNoShape">
+              <a:avLst/>
+            </a:prstTxWarp>
+            <a:spAutoFit/>
+          </a:bodyPr>
+          <a:lstStyle/>
+          <a:p>
+            <a:pPr algn="ctr"/>
+            <a:r>
+              <a:rPr lang="en-US" sz="1200" b="1" dirty="0">
+                <a:cs typeface="Calibri"/>
+              </a:rPr>
+              <a:t>“nutrition"</a:t>
+            </a:r>
+          </a:p>
+        </p:txBody>
+      </p:sp>
+      <p:cxnSp>
+        <p:nvCxnSpPr>
+          <p:cNvPr id="15" name="Straight Arrow Connector 14">
+            <a:extLst>
+              <a:ext uri="{FF2B5EF4-FFF2-40B4-BE49-F238E27FC236}">
+                <a16:creationId xmlns:a16="http://schemas.microsoft.com/office/drawing/2014/main" id="{3D8029DE-383E-3276-3FEA-B11FBE291C34}"/>
+              </a:ext>
+            </a:extLst>
+          </p:cNvPr>
+          <p:cNvCxnSpPr>
+            <a:cxnSpLocks/>
+          </p:cNvCxnSpPr>
+          <p:nvPr/>
+        </p:nvCxnSpPr>
+        <p:spPr>
+          <a:xfrm flipV="1">
+            <a:off x="3700656" y="3519338"/>
+            <a:ext cx="2673933" cy="18443"/>
+          </a:xfrm>
+          <a:prstGeom prst="straightConnector1">
+            <a:avLst/>
+          </a:prstGeom>
+          <a:ln w="12700">
+            <a:tailEnd type="triangle"/>
+          </a:ln>
+        </p:spPr>
+        <p:style>
+          <a:lnRef idx="1">
+            <a:schemeClr val="accent1"/>
+          </a:lnRef>
+          <a:fillRef idx="0">
+            <a:schemeClr val="accent1"/>
+          </a:fillRef>
+          <a:effectRef idx="0">
+            <a:schemeClr val="accent1"/>
+          </a:effectRef>
+          <a:fontRef idx="minor">
+            <a:schemeClr val="tx1"/>
+          </a:fontRef>
+        </p:style>
+      </p:cxnSp>
+      <p:cxnSp>
+        <p:nvCxnSpPr>
+          <p:cNvPr id="17" name="Straight Arrow Connector 16">
+            <a:extLst>
+              <a:ext uri="{FF2B5EF4-FFF2-40B4-BE49-F238E27FC236}">
+                <a16:creationId xmlns:a16="http://schemas.microsoft.com/office/drawing/2014/main" id="{B8959C55-024B-9A8A-019B-10186BE31E14}"/>
+              </a:ext>
+            </a:extLst>
+          </p:cNvPr>
+          <p:cNvCxnSpPr>
+            <a:cxnSpLocks/>
+          </p:cNvCxnSpPr>
+          <p:nvPr/>
+        </p:nvCxnSpPr>
+        <p:spPr>
+          <a:xfrm flipH="1">
+            <a:off x="3670523" y="5343780"/>
+            <a:ext cx="2711909" cy="9788"/>
+          </a:xfrm>
+          <a:prstGeom prst="straightConnector1">
+            <a:avLst/>
+          </a:prstGeom>
+          <a:ln w="12700">
+            <a:prstDash val="dash"/>
+            <a:tailEnd type="triangle"/>
+          </a:ln>
+        </p:spPr>
+        <p:style>
+          <a:lnRef idx="1">
+            <a:schemeClr val="accent1"/>
+          </a:lnRef>
+          <a:fillRef idx="0">
+            <a:schemeClr val="accent1"/>
+          </a:fillRef>
+          <a:effectRef idx="0">
+            <a:schemeClr val="accent1"/>
+          </a:effectRef>
+          <a:fontRef idx="minor">
+            <a:schemeClr val="tx1"/>
+          </a:fontRef>
+        </p:style>
+      </p:cxnSp>
+      <p:cxnSp>
+        <p:nvCxnSpPr>
+          <p:cNvPr id="19" name="Straight Arrow Connector 18">
+            <a:extLst>
+              <a:ext uri="{FF2B5EF4-FFF2-40B4-BE49-F238E27FC236}">
+                <a16:creationId xmlns:a16="http://schemas.microsoft.com/office/drawing/2014/main" id="{76B54543-D602-1F1A-0A8E-82AEDAB4C1E9}"/>
+              </a:ext>
+            </a:extLst>
+          </p:cNvPr>
+          <p:cNvCxnSpPr>
+            <a:cxnSpLocks/>
+          </p:cNvCxnSpPr>
+          <p:nvPr/>
+        </p:nvCxnSpPr>
+        <p:spPr>
+          <a:xfrm>
+            <a:off x="6445125" y="2241848"/>
+            <a:ext cx="1773" cy="4228119"/>
+          </a:xfrm>
+          <a:prstGeom prst="straightConnector1">
+            <a:avLst/>
+          </a:prstGeom>
+          <a:ln w="28575">
+            <a:solidFill>
+              <a:srgbClr val="4472C4"/>
+            </a:solidFill>
+            <a:prstDash val="dash"/>
+          </a:ln>
+        </p:spPr>
+        <p:style>
+          <a:lnRef idx="1">
+            <a:schemeClr val="accent1"/>
+          </a:lnRef>
+          <a:fillRef idx="0">
+            <a:schemeClr val="accent1"/>
+          </a:fillRef>
+          <a:effectRef idx="0">
+            <a:schemeClr val="accent1"/>
+          </a:effectRef>
+          <a:fontRef idx="minor">
+            <a:schemeClr val="tx1"/>
+          </a:fontRef>
+        </p:style>
+      </p:cxnSp>
+      <p:sp>
+        <p:nvSpPr>
+          <p:cNvPr id="21" name="Rectangle 20">
+            <a:extLst>
+              <a:ext uri="{FF2B5EF4-FFF2-40B4-BE49-F238E27FC236}">
+                <a16:creationId xmlns:a16="http://schemas.microsoft.com/office/drawing/2014/main" id="{8F6F9540-71E0-4612-643F-D7A0F3095B55}"/>
+              </a:ext>
+            </a:extLst>
+          </p:cNvPr>
+          <p:cNvSpPr/>
+          <p:nvPr/>
+        </p:nvSpPr>
+        <p:spPr>
+          <a:xfrm>
+            <a:off x="6400083" y="3525010"/>
+            <a:ext cx="104903" cy="1816588"/>
+          </a:xfrm>
+          <a:prstGeom prst="rect">
+            <a:avLst/>
+          </a:prstGeom>
+        </p:spPr>
+        <p:style>
+          <a:lnRef idx="2">
+            <a:schemeClr val="accent1">
+              <a:shade val="50000"/>
+            </a:schemeClr>
+          </a:lnRef>
+          <a:fillRef idx="1">
+            <a:schemeClr val="accent1"/>
+          </a:fillRef>
+          <a:effectRef idx="0">
+            <a:schemeClr val="accent1"/>
+          </a:effectRef>
+          <a:fontRef idx="minor">
+            <a:schemeClr val="lt1"/>
+          </a:fontRef>
+        </p:style>
+        <p:txBody>
+          <a:bodyPr rtlCol="0" anchor="ctr"/>
+          <a:lstStyle/>
+          <a:p>
+            <a:pPr algn="ctr"/>
+            <a:endParaRPr lang="en-US"/>
+          </a:p>
+        </p:txBody>
+      </p:sp>
+      <p:sp>
+        <p:nvSpPr>
+          <p:cNvPr id="23" name="Rectangle 22">
+            <a:extLst>
+              <a:ext uri="{FF2B5EF4-FFF2-40B4-BE49-F238E27FC236}">
+                <a16:creationId xmlns:a16="http://schemas.microsoft.com/office/drawing/2014/main" id="{B596CC49-FCE9-0BA7-C6E0-C1A9D5313296}"/>
+              </a:ext>
+            </a:extLst>
+          </p:cNvPr>
+          <p:cNvSpPr/>
+          <p:nvPr/>
+        </p:nvSpPr>
+        <p:spPr>
+          <a:xfrm>
+            <a:off x="5847054" y="1916304"/>
+            <a:ext cx="1233953" cy="287379"/>
+          </a:xfrm>
+          <a:prstGeom prst="rect">
+            <a:avLst/>
+          </a:prstGeom>
+        </p:spPr>
+        <p:style>
+          <a:lnRef idx="2">
+            <a:schemeClr val="accent1">
+              <a:shade val="50000"/>
+            </a:schemeClr>
+          </a:lnRef>
+          <a:fillRef idx="1">
+            <a:schemeClr val="accent1"/>
+          </a:fillRef>
+          <a:effectRef idx="0">
+            <a:schemeClr val="accent1"/>
+          </a:effectRef>
+          <a:fontRef idx="minor">
+            <a:schemeClr val="lt1"/>
+          </a:fontRef>
+        </p:style>
+        <p:txBody>
+          <a:bodyPr lIns="91440" tIns="45720" rIns="91440" bIns="45720" rtlCol="0" anchor="ctr"/>
+          <a:lstStyle/>
+          <a:p>
+            <a:pPr algn="ctr"/>
+            <a:r>
+              <a:rPr lang="en-US" sz="1400" dirty="0">
+                <a:cs typeface="Calibri"/>
+              </a:rPr>
+              <a:t>:</a:t>
+            </a:r>
+            <a:r>
+              <a:rPr lang="en-US" sz="1400" dirty="0" err="1">
+                <a:cs typeface="Calibri"/>
+              </a:rPr>
+              <a:t>FoodStorage</a:t>
+            </a:r>
+            <a:endParaRPr lang="en-US" sz="1400" dirty="0" err="1">
+              <a:latin typeface="Calibri"/>
+              <a:cs typeface="Calibri"/>
+            </a:endParaRPr>
+          </a:p>
+        </p:txBody>
+      </p:sp>
+      <p:cxnSp>
+        <p:nvCxnSpPr>
+          <p:cNvPr id="27" name="Straight Arrow Connector 26">
+            <a:extLst>
+              <a:ext uri="{FF2B5EF4-FFF2-40B4-BE49-F238E27FC236}">
+                <a16:creationId xmlns:a16="http://schemas.microsoft.com/office/drawing/2014/main" id="{5F98CBA2-D58F-32EF-CF23-6112A4A0D244}"/>
+              </a:ext>
+            </a:extLst>
+          </p:cNvPr>
+          <p:cNvCxnSpPr>
+            <a:cxnSpLocks/>
+          </p:cNvCxnSpPr>
+          <p:nvPr/>
+        </p:nvCxnSpPr>
+        <p:spPr>
+          <a:xfrm flipH="1">
+            <a:off x="3611395" y="2164749"/>
+            <a:ext cx="7087" cy="4378747"/>
+          </a:xfrm>
+          <a:prstGeom prst="straightConnector1">
+            <a:avLst/>
+          </a:prstGeom>
+          <a:ln w="28575">
+            <a:solidFill>
+              <a:srgbClr val="4472C4"/>
+            </a:solidFill>
+            <a:prstDash val="dash"/>
+          </a:ln>
+        </p:spPr>
+        <p:style>
+          <a:lnRef idx="1">
+            <a:schemeClr val="accent1"/>
+          </a:lnRef>
+          <a:fillRef idx="0">
+            <a:schemeClr val="accent1"/>
+          </a:fillRef>
+          <a:effectRef idx="0">
+            <a:schemeClr val="accent1"/>
+          </a:effectRef>
+          <a:fontRef idx="minor">
+            <a:schemeClr val="tx1"/>
+          </a:fontRef>
+        </p:style>
+      </p:cxnSp>
+      <p:sp>
+        <p:nvSpPr>
+          <p:cNvPr id="29" name="Rectangle 28">
+            <a:extLst>
+              <a:ext uri="{FF2B5EF4-FFF2-40B4-BE49-F238E27FC236}">
+                <a16:creationId xmlns:a16="http://schemas.microsoft.com/office/drawing/2014/main" id="{EDDDBB6A-5E9F-32A0-624A-AA35AC23DB60}"/>
+              </a:ext>
+            </a:extLst>
+          </p:cNvPr>
+          <p:cNvSpPr/>
+          <p:nvPr/>
+        </p:nvSpPr>
+        <p:spPr>
+          <a:xfrm>
+            <a:off x="3538448" y="2421002"/>
+            <a:ext cx="172356" cy="3907521"/>
+          </a:xfrm>
+          <a:prstGeom prst="rect">
+            <a:avLst/>
+          </a:prstGeom>
+        </p:spPr>
+        <p:style>
+          <a:lnRef idx="2">
+            <a:schemeClr val="accent1">
+              <a:shade val="50000"/>
+            </a:schemeClr>
+          </a:lnRef>
+          <a:fillRef idx="1">
+            <a:schemeClr val="accent1"/>
+          </a:fillRef>
+          <a:effectRef idx="0">
+            <a:schemeClr val="accent1"/>
+          </a:effectRef>
+          <a:fontRef idx="minor">
+            <a:schemeClr val="lt1"/>
+          </a:fontRef>
+        </p:style>
+        <p:txBody>
+          <a:bodyPr rtlCol="0" anchor="ctr"/>
+          <a:lstStyle/>
+          <a:p>
+            <a:pPr algn="ctr"/>
+            <a:endParaRPr lang="en-US"/>
+          </a:p>
+        </p:txBody>
+      </p:sp>
+      <p:cxnSp>
+        <p:nvCxnSpPr>
+          <p:cNvPr id="47" name="Straight Arrow Connector 46">
+            <a:extLst>
+              <a:ext uri="{FF2B5EF4-FFF2-40B4-BE49-F238E27FC236}">
+                <a16:creationId xmlns:a16="http://schemas.microsoft.com/office/drawing/2014/main" id="{EB9E8DFD-FDD7-3BF5-FA7E-C682594B7CDA}"/>
+              </a:ext>
+            </a:extLst>
+          </p:cNvPr>
+          <p:cNvCxnSpPr/>
+          <p:nvPr/>
+        </p:nvCxnSpPr>
+        <p:spPr>
+          <a:xfrm>
+            <a:off x="1384076" y="2442561"/>
+            <a:ext cx="1773" cy="4113026"/>
+          </a:xfrm>
+          <a:prstGeom prst="straightConnector1">
+            <a:avLst/>
+          </a:prstGeom>
+          <a:ln w="28575">
+            <a:solidFill>
+              <a:srgbClr val="4472C4"/>
+            </a:solidFill>
+            <a:prstDash val="dash"/>
+          </a:ln>
+        </p:spPr>
+        <p:style>
+          <a:lnRef idx="1">
+            <a:schemeClr val="accent1"/>
+          </a:lnRef>
+          <a:fillRef idx="0">
+            <a:schemeClr val="accent1"/>
+          </a:fillRef>
+          <a:effectRef idx="0">
+            <a:schemeClr val="accent1"/>
+          </a:effectRef>
+          <a:fontRef idx="minor">
+            <a:schemeClr val="tx1"/>
+          </a:fontRef>
+        </p:style>
+      </p:cxnSp>
+      <p:sp>
+        <p:nvSpPr>
+          <p:cNvPr id="49" name="Rectangle 48">
+            <a:extLst>
+              <a:ext uri="{FF2B5EF4-FFF2-40B4-BE49-F238E27FC236}">
+                <a16:creationId xmlns:a16="http://schemas.microsoft.com/office/drawing/2014/main" id="{60AFEC63-4BC7-9B9D-4687-A3DD744AD32D}"/>
+              </a:ext>
+            </a:extLst>
+          </p:cNvPr>
+          <p:cNvSpPr/>
+          <p:nvPr/>
+        </p:nvSpPr>
+        <p:spPr>
+          <a:xfrm>
+            <a:off x="3610109" y="2758760"/>
+            <a:ext cx="212299" cy="667606"/>
+          </a:xfrm>
+          <a:prstGeom prst="rect">
+            <a:avLst/>
+          </a:prstGeom>
+        </p:spPr>
+        <p:style>
+          <a:lnRef idx="2">
+            <a:schemeClr val="accent1">
+              <a:shade val="50000"/>
+            </a:schemeClr>
+          </a:lnRef>
+          <a:fillRef idx="1">
+            <a:schemeClr val="accent1"/>
+          </a:fillRef>
+          <a:effectRef idx="0">
+            <a:schemeClr val="accent1"/>
+          </a:effectRef>
+          <a:fontRef idx="minor">
+            <a:schemeClr val="lt1"/>
+          </a:fontRef>
+        </p:style>
+        <p:txBody>
+          <a:bodyPr rtlCol="0" anchor="ctr"/>
+          <a:lstStyle/>
+          <a:p>
+            <a:pPr algn="ctr"/>
+            <a:endParaRPr lang="en-US"/>
+          </a:p>
+        </p:txBody>
+      </p:sp>
+      <p:grpSp>
+        <p:nvGrpSpPr>
+          <p:cNvPr id="54" name="Group 53">
+            <a:extLst>
+              <a:ext uri="{FF2B5EF4-FFF2-40B4-BE49-F238E27FC236}">
+                <a16:creationId xmlns:a16="http://schemas.microsoft.com/office/drawing/2014/main" id="{893456EB-5176-5D7C-C450-465C4A676D9C}"/>
+              </a:ext>
+            </a:extLst>
+          </p:cNvPr>
+          <p:cNvGrpSpPr/>
+          <p:nvPr/>
+        </p:nvGrpSpPr>
+        <p:grpSpPr>
+          <a:xfrm>
+            <a:off x="3700678" y="2621000"/>
+            <a:ext cx="310011" cy="451629"/>
+            <a:chOff x="3328538" y="4086943"/>
+            <a:chExt cx="310011" cy="451629"/>
+          </a:xfrm>
+        </p:grpSpPr>
+        <p:cxnSp>
+          <p:nvCxnSpPr>
+            <p:cNvPr id="51" name="Straight Arrow Connector 50">
+              <a:extLst>
+                <a:ext uri="{FF2B5EF4-FFF2-40B4-BE49-F238E27FC236}">
+                  <a16:creationId xmlns:a16="http://schemas.microsoft.com/office/drawing/2014/main" id="{CDADC5B9-FE3A-2281-7A2C-CC9E8691711C}"/>
+                </a:ext>
+              </a:extLst>
+            </p:cNvPr>
+            <p:cNvCxnSpPr/>
+            <p:nvPr/>
+          </p:nvCxnSpPr>
+          <p:spPr>
+            <a:xfrm flipH="1">
+              <a:off x="3456678" y="4292719"/>
+              <a:ext cx="181871" cy="245853"/>
+            </a:xfrm>
+            <a:prstGeom prst="straightConnector1">
+              <a:avLst/>
+            </a:prstGeom>
+            <a:ln w="12700">
+              <a:tailEnd type="triangle"/>
+            </a:ln>
+          </p:spPr>
+          <p:style>
+            <a:lnRef idx="1">
+              <a:schemeClr val="accent1"/>
+            </a:lnRef>
+            <a:fillRef idx="0">
+              <a:schemeClr val="accent1"/>
+            </a:fillRef>
+            <a:effectRef idx="0">
+              <a:schemeClr val="accent1"/>
+            </a:effectRef>
+            <a:fontRef idx="minor">
+              <a:schemeClr val="tx1"/>
+            </a:fontRef>
+          </p:style>
+        </p:cxnSp>
+        <p:cxnSp>
+          <p:nvCxnSpPr>
+            <p:cNvPr id="52" name="Straight Arrow Connector 51">
+              <a:extLst>
+                <a:ext uri="{FF2B5EF4-FFF2-40B4-BE49-F238E27FC236}">
+                  <a16:creationId xmlns:a16="http://schemas.microsoft.com/office/drawing/2014/main" id="{605058C9-BF49-4612-D07D-A9927A1BECD7}"/>
+                </a:ext>
+              </a:extLst>
+            </p:cNvPr>
+            <p:cNvCxnSpPr/>
+            <p:nvPr/>
+          </p:nvCxnSpPr>
+          <p:spPr>
+            <a:xfrm>
+              <a:off x="3328538" y="4086943"/>
+              <a:ext cx="278203" cy="8628"/>
+            </a:xfrm>
+            <a:prstGeom prst="straightConnector1">
+              <a:avLst/>
+            </a:prstGeom>
+            <a:ln w="12700"/>
+          </p:spPr>
+          <p:style>
+            <a:lnRef idx="1">
+              <a:schemeClr val="accent1"/>
+            </a:lnRef>
+            <a:fillRef idx="0">
+              <a:schemeClr val="accent1"/>
+            </a:fillRef>
+            <a:effectRef idx="0">
+              <a:schemeClr val="accent1"/>
+            </a:effectRef>
+            <a:fontRef idx="minor">
+              <a:schemeClr val="tx1"/>
+            </a:fontRef>
+          </p:style>
+        </p:cxnSp>
+        <p:cxnSp>
+          <p:nvCxnSpPr>
+            <p:cNvPr id="53" name="Straight Arrow Connector 52">
+              <a:extLst>
+                <a:ext uri="{FF2B5EF4-FFF2-40B4-BE49-F238E27FC236}">
+                  <a16:creationId xmlns:a16="http://schemas.microsoft.com/office/drawing/2014/main" id="{8DC7108B-5D45-48C7-E8B9-7D81BE2C90EE}"/>
+                </a:ext>
+              </a:extLst>
+            </p:cNvPr>
+            <p:cNvCxnSpPr>
+              <a:cxnSpLocks/>
+            </p:cNvCxnSpPr>
+            <p:nvPr/>
+          </p:nvCxnSpPr>
+          <p:spPr>
+            <a:xfrm>
+              <a:off x="3612490" y="4094132"/>
+              <a:ext cx="19411" cy="213504"/>
+            </a:xfrm>
+            <a:prstGeom prst="straightConnector1">
+              <a:avLst/>
+            </a:prstGeom>
+            <a:ln w="12700"/>
+          </p:spPr>
+          <p:style>
+            <a:lnRef idx="1">
+              <a:schemeClr val="accent1"/>
+            </a:lnRef>
+            <a:fillRef idx="0">
+              <a:schemeClr val="accent1"/>
+            </a:fillRef>
+            <a:effectRef idx="0">
+              <a:schemeClr val="accent1"/>
+            </a:effectRef>
+            <a:fontRef idx="minor">
+              <a:schemeClr val="tx1"/>
+            </a:fontRef>
+          </p:style>
+        </p:cxnSp>
+      </p:grpSp>
+      <p:sp>
+        <p:nvSpPr>
+          <p:cNvPr id="56" name="TextBox 55">
+            <a:extLst>
+              <a:ext uri="{FF2B5EF4-FFF2-40B4-BE49-F238E27FC236}">
+                <a16:creationId xmlns:a16="http://schemas.microsoft.com/office/drawing/2014/main" id="{4DDB8190-3FC9-9911-7CD6-61A1001110FF}"/>
+              </a:ext>
+            </a:extLst>
+          </p:cNvPr>
+          <p:cNvSpPr txBox="1"/>
+          <p:nvPr/>
+        </p:nvSpPr>
+        <p:spPr>
+          <a:xfrm>
+            <a:off x="3929220" y="2438889"/>
+            <a:ext cx="976372" cy="276999"/>
+          </a:xfrm>
+          <a:prstGeom prst="rect">
+            <a:avLst/>
+          </a:prstGeom>
+          <a:noFill/>
+        </p:spPr>
+        <p:txBody>
+          <a:bodyPr rot="0" spcFirstLastPara="0" vertOverflow="overflow" horzOverflow="overflow" vert="horz" wrap="square" lIns="91440" tIns="45720" rIns="91440" bIns="45720" numCol="1" spcCol="0" rtlCol="0" fromWordArt="0" anchor="t" anchorCtr="0" forceAA="0" compatLnSpc="1">
+            <a:prstTxWarp prst="textNoShape">
+              <a:avLst/>
+            </a:prstTxWarp>
+            <a:spAutoFit/>
+          </a:bodyPr>
+          <a:lstStyle/>
+          <a:p>
+            <a:pPr algn="ctr"/>
+            <a:r>
+              <a:rPr lang="en-US" sz="1200" b="1" dirty="0" err="1">
+                <a:cs typeface="Calibri"/>
+              </a:rPr>
+              <a:t>readLine</a:t>
+            </a:r>
+            <a:r>
+              <a:rPr lang="en-US" sz="1200" b="1" dirty="0">
+                <a:cs typeface="Calibri"/>
+              </a:rPr>
+              <a:t>()</a:t>
+            </a:r>
+          </a:p>
+        </p:txBody>
+      </p:sp>
+      <p:sp>
+        <p:nvSpPr>
+          <p:cNvPr id="10" name="Rectangle 9">
+            <a:extLst>
+              <a:ext uri="{FF2B5EF4-FFF2-40B4-BE49-F238E27FC236}">
+                <a16:creationId xmlns:a16="http://schemas.microsoft.com/office/drawing/2014/main" id="{9DDE0769-9076-545F-EAEC-301A2430D514}"/>
+              </a:ext>
+            </a:extLst>
+          </p:cNvPr>
+          <p:cNvSpPr/>
+          <p:nvPr/>
+        </p:nvSpPr>
+        <p:spPr>
+          <a:xfrm>
+            <a:off x="3610109" y="5562920"/>
+            <a:ext cx="212299" cy="667606"/>
+          </a:xfrm>
+          <a:prstGeom prst="rect">
+            <a:avLst/>
+          </a:prstGeom>
+        </p:spPr>
+        <p:style>
+          <a:lnRef idx="2">
+            <a:schemeClr val="accent1">
+              <a:shade val="50000"/>
+            </a:schemeClr>
+          </a:lnRef>
+          <a:fillRef idx="1">
+            <a:schemeClr val="accent1"/>
+          </a:fillRef>
+          <a:effectRef idx="0">
+            <a:schemeClr val="accent1"/>
+          </a:effectRef>
+          <a:fontRef idx="minor">
+            <a:schemeClr val="lt1"/>
+          </a:fontRef>
+        </p:style>
+        <p:txBody>
+          <a:bodyPr rtlCol="0" anchor="ctr"/>
+          <a:lstStyle/>
+          <a:p>
+            <a:pPr algn="ctr"/>
+            <a:endParaRPr lang="en-US" dirty="0"/>
+          </a:p>
+        </p:txBody>
+      </p:sp>
+      <p:grpSp>
+        <p:nvGrpSpPr>
+          <p:cNvPr id="12" name="Group 11">
+            <a:extLst>
+              <a:ext uri="{FF2B5EF4-FFF2-40B4-BE49-F238E27FC236}">
+                <a16:creationId xmlns:a16="http://schemas.microsoft.com/office/drawing/2014/main" id="{468323A0-D71D-C458-FA59-7332965A6572}"/>
+              </a:ext>
+            </a:extLst>
+          </p:cNvPr>
+          <p:cNvGrpSpPr/>
+          <p:nvPr/>
+        </p:nvGrpSpPr>
+        <p:grpSpPr>
+          <a:xfrm>
+            <a:off x="3700678" y="5425160"/>
+            <a:ext cx="310011" cy="451629"/>
+            <a:chOff x="3328538" y="4086943"/>
+            <a:chExt cx="310011" cy="451629"/>
+          </a:xfrm>
+        </p:grpSpPr>
+        <p:cxnSp>
+          <p:nvCxnSpPr>
+            <p:cNvPr id="14" name="Straight Arrow Connector 13">
+              <a:extLst>
+                <a:ext uri="{FF2B5EF4-FFF2-40B4-BE49-F238E27FC236}">
+                  <a16:creationId xmlns:a16="http://schemas.microsoft.com/office/drawing/2014/main" id="{77960BBD-4234-38DA-2442-976C495B6826}"/>
+                </a:ext>
+              </a:extLst>
+            </p:cNvPr>
+            <p:cNvCxnSpPr/>
+            <p:nvPr/>
+          </p:nvCxnSpPr>
+          <p:spPr>
+            <a:xfrm flipH="1">
+              <a:off x="3456678" y="4292719"/>
+              <a:ext cx="181871" cy="245853"/>
+            </a:xfrm>
+            <a:prstGeom prst="straightConnector1">
+              <a:avLst/>
+            </a:prstGeom>
+            <a:ln w="12700">
+              <a:tailEnd type="triangle"/>
+            </a:ln>
+          </p:spPr>
+          <p:style>
+            <a:lnRef idx="1">
+              <a:schemeClr val="accent1"/>
+            </a:lnRef>
+            <a:fillRef idx="0">
+              <a:schemeClr val="accent1"/>
+            </a:fillRef>
+            <a:effectRef idx="0">
+              <a:schemeClr val="accent1"/>
+            </a:effectRef>
+            <a:fontRef idx="minor">
+              <a:schemeClr val="tx1"/>
+            </a:fontRef>
+          </p:style>
+        </p:cxnSp>
+        <p:cxnSp>
+          <p:nvCxnSpPr>
+            <p:cNvPr id="16" name="Straight Arrow Connector 15">
+              <a:extLst>
+                <a:ext uri="{FF2B5EF4-FFF2-40B4-BE49-F238E27FC236}">
+                  <a16:creationId xmlns:a16="http://schemas.microsoft.com/office/drawing/2014/main" id="{A15B1E52-1C08-3904-D74D-E9D497D4A048}"/>
+                </a:ext>
+              </a:extLst>
+            </p:cNvPr>
+            <p:cNvCxnSpPr/>
+            <p:nvPr/>
+          </p:nvCxnSpPr>
+          <p:spPr>
+            <a:xfrm>
+              <a:off x="3328538" y="4086943"/>
+              <a:ext cx="278203" cy="8628"/>
+            </a:xfrm>
+            <a:prstGeom prst="straightConnector1">
+              <a:avLst/>
+            </a:prstGeom>
+            <a:ln w="12700"/>
+          </p:spPr>
+          <p:style>
+            <a:lnRef idx="1">
+              <a:schemeClr val="accent1"/>
+            </a:lnRef>
+            <a:fillRef idx="0">
+              <a:schemeClr val="accent1"/>
+            </a:fillRef>
+            <a:effectRef idx="0">
+              <a:schemeClr val="accent1"/>
+            </a:effectRef>
+            <a:fontRef idx="minor">
+              <a:schemeClr val="tx1"/>
+            </a:fontRef>
+          </p:style>
+        </p:cxnSp>
+        <p:cxnSp>
+          <p:nvCxnSpPr>
+            <p:cNvPr id="18" name="Straight Arrow Connector 17">
+              <a:extLst>
+                <a:ext uri="{FF2B5EF4-FFF2-40B4-BE49-F238E27FC236}">
+                  <a16:creationId xmlns:a16="http://schemas.microsoft.com/office/drawing/2014/main" id="{83DE6F7E-0B48-FBD9-5142-E8373B24D263}"/>
+                </a:ext>
+              </a:extLst>
+            </p:cNvPr>
+            <p:cNvCxnSpPr>
+              <a:cxnSpLocks/>
+            </p:cNvCxnSpPr>
+            <p:nvPr/>
+          </p:nvCxnSpPr>
+          <p:spPr>
+            <a:xfrm>
+              <a:off x="3612490" y="4094132"/>
+              <a:ext cx="19411" cy="213504"/>
+            </a:xfrm>
+            <a:prstGeom prst="straightConnector1">
+              <a:avLst/>
+            </a:prstGeom>
+            <a:ln w="12700"/>
+          </p:spPr>
+          <p:style>
+            <a:lnRef idx="1">
+              <a:schemeClr val="accent1"/>
+            </a:lnRef>
+            <a:fillRef idx="0">
+              <a:schemeClr val="accent1"/>
+            </a:fillRef>
+            <a:effectRef idx="0">
+              <a:schemeClr val="accent1"/>
+            </a:effectRef>
+            <a:fontRef idx="minor">
+              <a:schemeClr val="tx1"/>
+            </a:fontRef>
+          </p:style>
+        </p:cxnSp>
+      </p:grpSp>
+      <p:sp>
+        <p:nvSpPr>
+          <p:cNvPr id="20" name="TextBox 19">
+            <a:extLst>
+              <a:ext uri="{FF2B5EF4-FFF2-40B4-BE49-F238E27FC236}">
+                <a16:creationId xmlns:a16="http://schemas.microsoft.com/office/drawing/2014/main" id="{C714865D-2BF2-7CDF-464B-20AE0202C5E0}"/>
+              </a:ext>
+            </a:extLst>
+          </p:cNvPr>
+          <p:cNvSpPr txBox="1"/>
+          <p:nvPr/>
+        </p:nvSpPr>
+        <p:spPr>
+          <a:xfrm>
+            <a:off x="3960322" y="5447635"/>
+            <a:ext cx="976372" cy="646331"/>
+          </a:xfrm>
+          <a:prstGeom prst="rect">
+            <a:avLst/>
+          </a:prstGeom>
+          <a:noFill/>
+        </p:spPr>
+        <p:txBody>
+          <a:bodyPr rot="0" spcFirstLastPara="0" vertOverflow="overflow" horzOverflow="overflow" vert="horz" wrap="square" lIns="91440" tIns="45720" rIns="91440" bIns="45720" numCol="1" spcCol="0" rtlCol="0" fromWordArt="0" anchor="t" anchorCtr="0" forceAA="0" compatLnSpc="1">
+            <a:prstTxWarp prst="textNoShape">
+              <a:avLst/>
+            </a:prstTxWarp>
+            <a:spAutoFit/>
+          </a:bodyPr>
+          <a:lstStyle/>
+          <a:p>
+            <a:pPr algn="ctr"/>
+            <a:r>
+              <a:rPr lang="en-US" sz="1200" b="1" dirty="0">
+                <a:cs typeface="Calibri"/>
+              </a:rPr>
+              <a:t>Print </a:t>
+            </a:r>
+            <a:r>
+              <a:rPr lang="en-US" sz="1200" b="1">
+                <a:cs typeface="Calibri"/>
+              </a:rPr>
+              <a:t>nutritional information</a:t>
+            </a:r>
+            <a:endParaRPr lang="en-US" sz="1200" b="1" dirty="0">
+              <a:cs typeface="Calibri"/>
+            </a:endParaRPr>
+          </a:p>
+        </p:txBody>
+      </p:sp>
+    </p:spTree>
+    <p:extLst>
+      <p:ext uri="{BB962C8B-B14F-4D97-AF65-F5344CB8AC3E}">
+        <p14:creationId xmlns:p14="http://schemas.microsoft.com/office/powerpoint/2010/main" val="4265621656"/>
+      </p:ext>
+    </p:extLst>
+  </p:cSld>
+  <p:clrMapOvr>
+    <a:masterClrMapping/>
+  </p:clrMapOvr>
+</p:sld>
+</file>
+
+<file path=ppt/slides/slide12.xml><?xml version="1.0" encoding="utf-8"?>
+<p:sld xmlns:a="http://schemas.openxmlformats.org/drawingml/2006/main" xmlns:r="http://schemas.openxmlformats.org/officeDocument/2006/relationships" xmlns:p="http://schemas.openxmlformats.org/presentationml/2006/main">
+  <p:cSld>
+    <p:spTree>
+      <p:nvGrpSpPr>
+        <p:cNvPr id="1" name=""/>
+        <p:cNvGrpSpPr/>
+        <p:nvPr/>
+      </p:nvGrpSpPr>
+      <p:grpSpPr>
+        <a:xfrm>
+          <a:off x="0" y="0"/>
+          <a:ext cx="0" cy="0"/>
+          <a:chOff x="0" y="0"/>
+          <a:chExt cx="0" cy="0"/>
+        </a:xfrm>
+      </p:grpSpPr>
+      <p:sp>
+        <p:nvSpPr>
+          <p:cNvPr id="2" name="Title 1">
+            <a:extLst>
+              <a:ext uri="{FF2B5EF4-FFF2-40B4-BE49-F238E27FC236}">
                 <a16:creationId xmlns:a16="http://schemas.microsoft.com/office/drawing/2014/main" id="{02CAF669-C1B5-29BE-CEF1-486C10C908E1}"/>
               </a:ext>
             </a:extLst>
@@ -6657,7 +7772,7 @@
 </p:sld>
 </file>
 
-<file path=ppt/slides/slide12.xml><?xml version="1.0" encoding="utf-8"?>
+<file path=ppt/slides/slide13.xml><?xml version="1.0" encoding="utf-8"?>
 <p:sld xmlns:a="http://schemas.openxmlformats.org/drawingml/2006/main" xmlns:r="http://schemas.openxmlformats.org/officeDocument/2006/relationships" xmlns:p="http://schemas.openxmlformats.org/presentationml/2006/main">
   <p:cSld>
     <p:spTree>
@@ -8112,7 +9227,7 @@
 </p:sld>
 </file>
 
-<file path=ppt/slides/slide13.xml><?xml version="1.0" encoding="utf-8"?>
+<file path=ppt/slides/slide14.xml><?xml version="1.0" encoding="utf-8"?>
 <p:sld xmlns:a="http://schemas.openxmlformats.org/drawingml/2006/main" xmlns:r="http://schemas.openxmlformats.org/officeDocument/2006/relationships" xmlns:p="http://schemas.openxmlformats.org/presentationml/2006/main">
   <p:cSld>
     <p:spTree>
@@ -26817,12 +27932,9 @@
 </file>
 
 <file path=customXml/item1.xml><?xml version="1.0" encoding="utf-8"?>
-<?mso-contentType ?>
-<FormTemplates xmlns="http://schemas.microsoft.com/sharepoint/v3/contenttype/forms">
-  <Display>DocumentLibraryForm</Display>
-  <Edit>DocumentLibraryForm</Edit>
-  <New>DocumentLibraryForm</New>
-</FormTemplates>
+<p:properties xmlns:p="http://schemas.microsoft.com/office/2006/metadata/properties" xmlns:xsi="http://www.w3.org/2001/XMLSchema-instance" xmlns:pc="http://schemas.microsoft.com/office/infopath/2007/PartnerControls">
+  <documentManagement/>
+</p:properties>
 </file>
 
 <file path=customXml/item2.xml><?xml version="1.0" encoding="utf-8"?>
@@ -26958,15 +28070,26 @@
 </file>
 
 <file path=customXml/item3.xml><?xml version="1.0" encoding="utf-8"?>
-<p:properties xmlns:p="http://schemas.microsoft.com/office/2006/metadata/properties" xmlns:xsi="http://www.w3.org/2001/XMLSchema-instance" xmlns:pc="http://schemas.microsoft.com/office/infopath/2007/PartnerControls">
-  <documentManagement/>
-</p:properties>
+<?mso-contentType ?>
+<FormTemplates xmlns="http://schemas.microsoft.com/sharepoint/v3/contenttype/forms">
+  <Display>DocumentLibraryForm</Display>
+  <Edit>DocumentLibraryForm</Edit>
+  <New>DocumentLibraryForm</New>
+</FormTemplates>
 </file>
 
 <file path=customXml/itemProps1.xml><?xml version="1.0" encoding="utf-8"?>
-<ds:datastoreItem xmlns:ds="http://schemas.openxmlformats.org/officeDocument/2006/customXml" ds:itemID="{59B52839-AD59-43D1-82DD-0E0311505F92}">
+<ds:datastoreItem xmlns:ds="http://schemas.openxmlformats.org/officeDocument/2006/customXml" ds:itemID="{58CBE6D9-4BC4-4B0C-ABB8-C225BED46FFD}">
   <ds:schemaRefs>
-    <ds:schemaRef ds:uri="http://schemas.microsoft.com/sharepoint/v3/contenttype/forms"/>
+    <ds:schemaRef ds:uri="http://schemas.openxmlformats.org/package/2006/metadata/core-properties"/>
+    <ds:schemaRef ds:uri="http://www.w3.org/XML/1998/namespace"/>
+    <ds:schemaRef ds:uri="http://purl.org/dc/dcmitype/"/>
+    <ds:schemaRef ds:uri="http://purl.org/dc/elements/1.1/"/>
+    <ds:schemaRef ds:uri="http://schemas.microsoft.com/office/2006/documentManagement/types"/>
+    <ds:schemaRef ds:uri="http://schemas.microsoft.com/office/infopath/2007/PartnerControls"/>
+    <ds:schemaRef ds:uri="http://schemas.microsoft.com/office/2006/metadata/properties"/>
+    <ds:schemaRef ds:uri="http://purl.org/dc/terms/"/>
+    <ds:schemaRef ds:uri="62ebaf27-0928-4937-90bf-f45e3892230c"/>
   </ds:schemaRefs>
 </ds:datastoreItem>
 </file>
@@ -26990,17 +28113,9 @@
 </file>
 
 <file path=customXml/itemProps3.xml><?xml version="1.0" encoding="utf-8"?>
-<ds:datastoreItem xmlns:ds="http://schemas.openxmlformats.org/officeDocument/2006/customXml" ds:itemID="{58CBE6D9-4BC4-4B0C-ABB8-C225BED46FFD}">
+<ds:datastoreItem xmlns:ds="http://schemas.openxmlformats.org/officeDocument/2006/customXml" ds:itemID="{59B52839-AD59-43D1-82DD-0E0311505F92}">
   <ds:schemaRefs>
-    <ds:schemaRef ds:uri="http://schemas.openxmlformats.org/package/2006/metadata/core-properties"/>
-    <ds:schemaRef ds:uri="http://www.w3.org/XML/1998/namespace"/>
-    <ds:schemaRef ds:uri="http://purl.org/dc/dcmitype/"/>
-    <ds:schemaRef ds:uri="http://purl.org/dc/elements/1.1/"/>
-    <ds:schemaRef ds:uri="http://schemas.microsoft.com/office/2006/documentManagement/types"/>
-    <ds:schemaRef ds:uri="http://schemas.microsoft.com/office/infopath/2007/PartnerControls"/>
-    <ds:schemaRef ds:uri="http://schemas.microsoft.com/office/2006/metadata/properties"/>
-    <ds:schemaRef ds:uri="http://purl.org/dc/terms/"/>
-    <ds:schemaRef ds:uri="62ebaf27-0928-4937-90bf-f45e3892230c"/>
+    <ds:schemaRef ds:uri="http://schemas.microsoft.com/sharepoint/v3/contenttype/forms"/>
   </ds:schemaRefs>
 </ds:datastoreItem>
 </file>
--- a/docs/uml/UML.pptx
+++ b/docs/uml/UML.pptx
@@ -19,6 +19,8 @@
     <p:sldId id="265" r:id="rId16"/>
     <p:sldId id="258" r:id="rId17"/>
     <p:sldId id="264" r:id="rId18"/>
+    <p:sldId id="270" r:id="rId19"/>
+    <p:sldId id="271" r:id="rId20"/>
   </p:sldIdLst>
   <p:sldSz cx="12192000" cy="6858000"/>
   <p:notesSz cx="6858000" cy="9144000"/>
@@ -266,7 +268,7 @@
           <a:p>
             <a:fld id="{846CE7D5-CF57-46EF-B807-FDD0502418D4}" type="datetimeFigureOut">
               <a:rPr lang="en-GB" smtClean="0"/>
-              <a:t>07/04/2023</a:t>
+              <a:t>09/04/2023</a:t>
             </a:fld>
             <a:endParaRPr lang="en-GB"/>
           </a:p>
@@ -436,7 +438,7 @@
           <a:p>
             <a:fld id="{846CE7D5-CF57-46EF-B807-FDD0502418D4}" type="datetimeFigureOut">
               <a:rPr lang="en-GB" smtClean="0"/>
-              <a:t>07/04/2023</a:t>
+              <a:t>09/04/2023</a:t>
             </a:fld>
             <a:endParaRPr lang="en-GB"/>
           </a:p>
@@ -616,7 +618,7 @@
           <a:p>
             <a:fld id="{846CE7D5-CF57-46EF-B807-FDD0502418D4}" type="datetimeFigureOut">
               <a:rPr lang="en-GB" smtClean="0"/>
-              <a:t>07/04/2023</a:t>
+              <a:t>09/04/2023</a:t>
             </a:fld>
             <a:endParaRPr lang="en-GB"/>
           </a:p>
@@ -786,7 +788,7 @@
           <a:p>
             <a:fld id="{846CE7D5-CF57-46EF-B807-FDD0502418D4}" type="datetimeFigureOut">
               <a:rPr lang="en-GB" smtClean="0"/>
-              <a:t>07/04/2023</a:t>
+              <a:t>09/04/2023</a:t>
             </a:fld>
             <a:endParaRPr lang="en-GB"/>
           </a:p>
@@ -1032,7 +1034,7 @@
           <a:p>
             <a:fld id="{846CE7D5-CF57-46EF-B807-FDD0502418D4}" type="datetimeFigureOut">
               <a:rPr lang="en-GB" smtClean="0"/>
-              <a:t>07/04/2023</a:t>
+              <a:t>09/04/2023</a:t>
             </a:fld>
             <a:endParaRPr lang="en-GB"/>
           </a:p>
@@ -1264,7 +1266,7 @@
           <a:p>
             <a:fld id="{846CE7D5-CF57-46EF-B807-FDD0502418D4}" type="datetimeFigureOut">
               <a:rPr lang="en-GB" smtClean="0"/>
-              <a:t>07/04/2023</a:t>
+              <a:t>09/04/2023</a:t>
             </a:fld>
             <a:endParaRPr lang="en-GB"/>
           </a:p>
@@ -1631,7 +1633,7 @@
           <a:p>
             <a:fld id="{846CE7D5-CF57-46EF-B807-FDD0502418D4}" type="datetimeFigureOut">
               <a:rPr lang="en-GB" smtClean="0"/>
-              <a:t>07/04/2023</a:t>
+              <a:t>09/04/2023</a:t>
             </a:fld>
             <a:endParaRPr lang="en-GB"/>
           </a:p>
@@ -1749,7 +1751,7 @@
           <a:p>
             <a:fld id="{846CE7D5-CF57-46EF-B807-FDD0502418D4}" type="datetimeFigureOut">
               <a:rPr lang="en-GB" smtClean="0"/>
-              <a:t>07/04/2023</a:t>
+              <a:t>09/04/2023</a:t>
             </a:fld>
             <a:endParaRPr lang="en-GB"/>
           </a:p>
@@ -1844,7 +1846,7 @@
           <a:p>
             <a:fld id="{846CE7D5-CF57-46EF-B807-FDD0502418D4}" type="datetimeFigureOut">
               <a:rPr lang="en-GB" smtClean="0"/>
-              <a:t>07/04/2023</a:t>
+              <a:t>09/04/2023</a:t>
             </a:fld>
             <a:endParaRPr lang="en-GB"/>
           </a:p>
@@ -2121,7 +2123,7 @@
           <a:p>
             <a:fld id="{846CE7D5-CF57-46EF-B807-FDD0502418D4}" type="datetimeFigureOut">
               <a:rPr lang="en-GB" smtClean="0"/>
-              <a:t>07/04/2023</a:t>
+              <a:t>09/04/2023</a:t>
             </a:fld>
             <a:endParaRPr lang="en-GB"/>
           </a:p>
@@ -2378,7 +2380,7 @@
           <a:p>
             <a:fld id="{846CE7D5-CF57-46EF-B807-FDD0502418D4}" type="datetimeFigureOut">
               <a:rPr lang="en-GB" smtClean="0"/>
-              <a:t>07/04/2023</a:t>
+              <a:t>09/04/2023</a:t>
             </a:fld>
             <a:endParaRPr lang="en-GB"/>
           </a:p>
@@ -2591,7 +2593,7 @@
           <a:p>
             <a:fld id="{846CE7D5-CF57-46EF-B807-FDD0502418D4}" type="datetimeFigureOut">
               <a:rPr lang="en-GB" smtClean="0"/>
-              <a:t>07/04/2023</a:t>
+              <a:t>09/04/2023</a:t>
             </a:fld>
             <a:endParaRPr lang="en-GB"/>
           </a:p>
@@ -3252,7 +3254,7 @@
             <a:lstStyle/>
             <a:p>
               <a:pPr algn="ctr"/>
-              <a:endParaRPr lang="en-GB"/>
+              <a:endParaRPr lang="en-GB" dirty="0"/>
             </a:p>
           </p:txBody>
         </p:sp>
@@ -12504,6 +12506,2333 @@
     <p:extLst>
       <p:ext uri="{BB962C8B-B14F-4D97-AF65-F5344CB8AC3E}">
         <p14:creationId xmlns:p14="http://schemas.microsoft.com/office/powerpoint/2010/main" val="2143029340"/>
+      </p:ext>
+    </p:extLst>
+  </p:cSld>
+  <p:clrMapOvr>
+    <a:masterClrMapping/>
+  </p:clrMapOvr>
+</p:sld>
+</file>
+
+<file path=ppt/slides/slide15.xml><?xml version="1.0" encoding="utf-8"?>
+<p:sld xmlns:a="http://schemas.openxmlformats.org/drawingml/2006/main" xmlns:r="http://schemas.openxmlformats.org/officeDocument/2006/relationships" xmlns:p="http://schemas.openxmlformats.org/presentationml/2006/main">
+  <p:cSld>
+    <p:spTree>
+      <p:nvGrpSpPr>
+        <p:cNvPr id="1" name=""/>
+        <p:cNvGrpSpPr/>
+        <p:nvPr/>
+      </p:nvGrpSpPr>
+      <p:grpSpPr>
+        <a:xfrm>
+          <a:off x="0" y="0"/>
+          <a:ext cx="0" cy="0"/>
+          <a:chOff x="0" y="0"/>
+          <a:chExt cx="0" cy="0"/>
+        </a:xfrm>
+      </p:grpSpPr>
+      <p:sp>
+        <p:nvSpPr>
+          <p:cNvPr id="6" name="Rectangle 5">
+            <a:extLst>
+              <a:ext uri="{FF2B5EF4-FFF2-40B4-BE49-F238E27FC236}">
+                <a16:creationId xmlns:a16="http://schemas.microsoft.com/office/drawing/2014/main" id="{3F6E0CF9-5463-F16D-C6DB-231D12E0991D}"/>
+              </a:ext>
+            </a:extLst>
+          </p:cNvPr>
+          <p:cNvSpPr>
+            <a:spLocks noGrp="1" noRot="1" noMove="1" noResize="1" noEditPoints="1" noAdjustHandles="1" noChangeArrowheads="1" noChangeShapeType="1"/>
+          </p:cNvSpPr>
+          <p:nvPr/>
+        </p:nvSpPr>
+        <p:spPr>
+          <a:xfrm>
+            <a:off x="0" y="978296"/>
+            <a:ext cx="9560560" cy="5730240"/>
+          </a:xfrm>
+          <a:prstGeom prst="rect">
+            <a:avLst/>
+          </a:prstGeom>
+          <a:solidFill>
+            <a:schemeClr val="bg1"/>
+          </a:solidFill>
+          <a:ln cap="flat">
+            <a:solidFill>
+              <a:schemeClr val="tx1"/>
+            </a:solidFill>
+            <a:miter lim="800000"/>
+          </a:ln>
+        </p:spPr>
+        <p:style>
+          <a:lnRef idx="2">
+            <a:schemeClr val="accent6"/>
+          </a:lnRef>
+          <a:fillRef idx="1">
+            <a:schemeClr val="lt1"/>
+          </a:fillRef>
+          <a:effectRef idx="0">
+            <a:schemeClr val="accent6"/>
+          </a:effectRef>
+          <a:fontRef idx="minor">
+            <a:schemeClr val="dk1"/>
+          </a:fontRef>
+        </p:style>
+        <p:txBody>
+          <a:bodyPr rtlCol="0" anchor="ctr"/>
+          <a:lstStyle/>
+          <a:p>
+            <a:pPr algn="ctr"/>
+            <a:endParaRPr lang="en-SG" dirty="0"/>
+          </a:p>
+        </p:txBody>
+      </p:sp>
+      <p:sp>
+        <p:nvSpPr>
+          <p:cNvPr id="7" name="Rectangle 6">
+            <a:extLst>
+              <a:ext uri="{FF2B5EF4-FFF2-40B4-BE49-F238E27FC236}">
+                <a16:creationId xmlns:a16="http://schemas.microsoft.com/office/drawing/2014/main" id="{61B67606-ED6A-2AC7-0570-24B948EA3432}"/>
+              </a:ext>
+            </a:extLst>
+          </p:cNvPr>
+          <p:cNvSpPr/>
+          <p:nvPr/>
+        </p:nvSpPr>
+        <p:spPr>
+          <a:xfrm>
+            <a:off x="4392320" y="202314"/>
+            <a:ext cx="1544320" cy="518160"/>
+          </a:xfrm>
+          <a:prstGeom prst="rect">
+            <a:avLst/>
+          </a:prstGeom>
+          <a:ln>
+            <a:solidFill>
+              <a:schemeClr val="tx1"/>
+            </a:solidFill>
+          </a:ln>
+        </p:spPr>
+        <p:style>
+          <a:lnRef idx="2">
+            <a:schemeClr val="accent6"/>
+          </a:lnRef>
+          <a:fillRef idx="1">
+            <a:schemeClr val="lt1"/>
+          </a:fillRef>
+          <a:effectRef idx="0">
+            <a:schemeClr val="accent6"/>
+          </a:effectRef>
+          <a:fontRef idx="minor">
+            <a:schemeClr val="dk1"/>
+          </a:fontRef>
+        </p:style>
+        <p:txBody>
+          <a:bodyPr rtlCol="0" anchor="ctr"/>
+          <a:lstStyle/>
+          <a:p>
+            <a:pPr algn="ctr"/>
+            <a:r>
+              <a:rPr lang="en-SG" dirty="0"/>
+              <a:t>command</a:t>
+            </a:r>
+          </a:p>
+        </p:txBody>
+      </p:sp>
+      <p:cxnSp>
+        <p:nvCxnSpPr>
+          <p:cNvPr id="10" name="Straight Arrow Connector 9">
+            <a:extLst>
+              <a:ext uri="{FF2B5EF4-FFF2-40B4-BE49-F238E27FC236}">
+                <a16:creationId xmlns:a16="http://schemas.microsoft.com/office/drawing/2014/main" id="{6616AF1E-7D15-858B-CDC5-4C251588E1B3}"/>
+              </a:ext>
+            </a:extLst>
+          </p:cNvPr>
+          <p:cNvCxnSpPr>
+            <a:cxnSpLocks/>
+            <a:stCxn id="7" idx="2"/>
+          </p:cNvCxnSpPr>
+          <p:nvPr/>
+        </p:nvCxnSpPr>
+        <p:spPr>
+          <a:xfrm>
+            <a:off x="5164480" y="720474"/>
+            <a:ext cx="0" cy="2210686"/>
+          </a:xfrm>
+          <a:prstGeom prst="straightConnector1">
+            <a:avLst/>
+          </a:prstGeom>
+          <a:ln>
+            <a:tailEnd type="triangle"/>
+          </a:ln>
+        </p:spPr>
+        <p:style>
+          <a:lnRef idx="1">
+            <a:schemeClr val="dk1"/>
+          </a:lnRef>
+          <a:fillRef idx="0">
+            <a:schemeClr val="dk1"/>
+          </a:fillRef>
+          <a:effectRef idx="0">
+            <a:schemeClr val="dk1"/>
+          </a:effectRef>
+          <a:fontRef idx="minor">
+            <a:schemeClr val="tx1"/>
+          </a:fontRef>
+        </p:style>
+      </p:cxnSp>
+      <p:sp>
+        <p:nvSpPr>
+          <p:cNvPr id="11" name="Rectangle 10">
+            <a:extLst>
+              <a:ext uri="{FF2B5EF4-FFF2-40B4-BE49-F238E27FC236}">
+                <a16:creationId xmlns:a16="http://schemas.microsoft.com/office/drawing/2014/main" id="{77675BBC-595E-EFF7-78B7-44D8BA30119F}"/>
+              </a:ext>
+            </a:extLst>
+          </p:cNvPr>
+          <p:cNvSpPr/>
+          <p:nvPr/>
+        </p:nvSpPr>
+        <p:spPr>
+          <a:xfrm>
+            <a:off x="4521200" y="2931160"/>
+            <a:ext cx="1544320" cy="518160"/>
+          </a:xfrm>
+          <a:prstGeom prst="rect">
+            <a:avLst/>
+          </a:prstGeom>
+          <a:solidFill>
+            <a:schemeClr val="accent6"/>
+          </a:solidFill>
+          <a:ln>
+            <a:solidFill>
+              <a:schemeClr val="tx1"/>
+            </a:solidFill>
+          </a:ln>
+        </p:spPr>
+        <p:style>
+          <a:lnRef idx="2">
+            <a:schemeClr val="accent6"/>
+          </a:lnRef>
+          <a:fillRef idx="1">
+            <a:schemeClr val="lt1"/>
+          </a:fillRef>
+          <a:effectRef idx="0">
+            <a:schemeClr val="accent6"/>
+          </a:effectRef>
+          <a:fontRef idx="minor">
+            <a:schemeClr val="dk1"/>
+          </a:fontRef>
+        </p:style>
+        <p:txBody>
+          <a:bodyPr rtlCol="0" anchor="ctr"/>
+          <a:lstStyle/>
+          <a:p>
+            <a:pPr algn="ctr"/>
+            <a:r>
+              <a:rPr lang="en-SG" dirty="0" err="1">
+                <a:solidFill>
+                  <a:schemeClr val="bg1"/>
+                </a:solidFill>
+              </a:rPr>
+              <a:t>GeneralUi</a:t>
+            </a:r>
+            <a:endParaRPr lang="en-SG" dirty="0">
+              <a:solidFill>
+                <a:schemeClr val="bg1"/>
+              </a:solidFill>
+            </a:endParaRPr>
+          </a:p>
+        </p:txBody>
+      </p:sp>
+      <p:grpSp>
+        <p:nvGrpSpPr>
+          <p:cNvPr id="19" name="Group 18">
+            <a:extLst>
+              <a:ext uri="{FF2B5EF4-FFF2-40B4-BE49-F238E27FC236}">
+                <a16:creationId xmlns:a16="http://schemas.microsoft.com/office/drawing/2014/main" id="{A994204A-542D-6F10-BC76-E2737D9D12DD}"/>
+              </a:ext>
+            </a:extLst>
+          </p:cNvPr>
+          <p:cNvGrpSpPr/>
+          <p:nvPr/>
+        </p:nvGrpSpPr>
+        <p:grpSpPr>
+          <a:xfrm rot="13346040">
+            <a:off x="5354008" y="4086196"/>
+            <a:ext cx="2252747" cy="513080"/>
+            <a:chOff x="805413" y="482600"/>
+            <a:chExt cx="2252747" cy="513080"/>
+          </a:xfrm>
+        </p:grpSpPr>
+        <p:cxnSp>
+          <p:nvCxnSpPr>
+            <p:cNvPr id="17" name="Straight Connector 16">
+              <a:extLst>
+                <a:ext uri="{FF2B5EF4-FFF2-40B4-BE49-F238E27FC236}">
+                  <a16:creationId xmlns:a16="http://schemas.microsoft.com/office/drawing/2014/main" id="{733368A8-596E-B435-0551-2EF9E4F3E2A6}"/>
+                </a:ext>
+              </a:extLst>
+            </p:cNvPr>
+            <p:cNvCxnSpPr>
+              <a:cxnSpLocks/>
+            </p:cNvCxnSpPr>
+            <p:nvPr/>
+          </p:nvCxnSpPr>
+          <p:spPr>
+            <a:xfrm>
+              <a:off x="805413" y="482600"/>
+              <a:ext cx="1899920" cy="325120"/>
+            </a:xfrm>
+            <a:prstGeom prst="line">
+              <a:avLst/>
+            </a:prstGeom>
+          </p:spPr>
+          <p:style>
+            <a:lnRef idx="1">
+              <a:schemeClr val="dk1"/>
+            </a:lnRef>
+            <a:fillRef idx="0">
+              <a:schemeClr val="dk1"/>
+            </a:fillRef>
+            <a:effectRef idx="0">
+              <a:schemeClr val="dk1"/>
+            </a:effectRef>
+            <a:fontRef idx="minor">
+              <a:schemeClr val="tx1"/>
+            </a:fontRef>
+          </p:style>
+        </p:cxnSp>
+        <p:sp>
+          <p:nvSpPr>
+            <p:cNvPr id="18" name="Isosceles Triangle 17">
+              <a:extLst>
+                <a:ext uri="{FF2B5EF4-FFF2-40B4-BE49-F238E27FC236}">
+                  <a16:creationId xmlns:a16="http://schemas.microsoft.com/office/drawing/2014/main" id="{E88DCC64-AE2E-A13F-1C67-F01B66913A2E}"/>
+                </a:ext>
+              </a:extLst>
+            </p:cNvPr>
+            <p:cNvSpPr>
+              <a:spLocks/>
+            </p:cNvSpPr>
+            <p:nvPr/>
+          </p:nvSpPr>
+          <p:spPr>
+            <a:xfrm rot="6262703">
+              <a:off x="2763520" y="701040"/>
+              <a:ext cx="264160" cy="325120"/>
+            </a:xfrm>
+            <a:prstGeom prst="triangle">
+              <a:avLst>
+                <a:gd name="adj" fmla="val 46154"/>
+              </a:avLst>
+            </a:prstGeom>
+            <a:ln>
+              <a:solidFill>
+                <a:schemeClr val="tx1"/>
+              </a:solidFill>
+            </a:ln>
+          </p:spPr>
+          <p:style>
+            <a:lnRef idx="2">
+              <a:schemeClr val="accent6"/>
+            </a:lnRef>
+            <a:fillRef idx="1">
+              <a:schemeClr val="lt1"/>
+            </a:fillRef>
+            <a:effectRef idx="0">
+              <a:schemeClr val="accent6"/>
+            </a:effectRef>
+            <a:fontRef idx="minor">
+              <a:schemeClr val="dk1"/>
+            </a:fontRef>
+          </p:style>
+          <p:txBody>
+            <a:bodyPr rtlCol="0" anchor="ctr"/>
+            <a:lstStyle/>
+            <a:p>
+              <a:pPr algn="ctr"/>
+              <a:endParaRPr lang="en-SG"/>
+            </a:p>
+          </p:txBody>
+        </p:sp>
+      </p:grpSp>
+      <p:grpSp>
+        <p:nvGrpSpPr>
+          <p:cNvPr id="20" name="Group 19">
+            <a:extLst>
+              <a:ext uri="{FF2B5EF4-FFF2-40B4-BE49-F238E27FC236}">
+                <a16:creationId xmlns:a16="http://schemas.microsoft.com/office/drawing/2014/main" id="{004260DB-F37E-E25A-C6AE-500166C3341C}"/>
+              </a:ext>
+            </a:extLst>
+          </p:cNvPr>
+          <p:cNvGrpSpPr/>
+          <p:nvPr/>
+        </p:nvGrpSpPr>
+        <p:grpSpPr>
+          <a:xfrm rot="15501658">
+            <a:off x="3854166" y="4406901"/>
+            <a:ext cx="2252747" cy="513080"/>
+            <a:chOff x="805413" y="482600"/>
+            <a:chExt cx="2252747" cy="513080"/>
+          </a:xfrm>
+        </p:grpSpPr>
+        <p:cxnSp>
+          <p:nvCxnSpPr>
+            <p:cNvPr id="21" name="Straight Connector 20">
+              <a:extLst>
+                <a:ext uri="{FF2B5EF4-FFF2-40B4-BE49-F238E27FC236}">
+                  <a16:creationId xmlns:a16="http://schemas.microsoft.com/office/drawing/2014/main" id="{59D6587B-0181-29A1-38C6-991A45CDBBEA}"/>
+                </a:ext>
+              </a:extLst>
+            </p:cNvPr>
+            <p:cNvCxnSpPr>
+              <a:cxnSpLocks/>
+            </p:cNvCxnSpPr>
+            <p:nvPr/>
+          </p:nvCxnSpPr>
+          <p:spPr>
+            <a:xfrm>
+              <a:off x="805413" y="482600"/>
+              <a:ext cx="1899920" cy="325120"/>
+            </a:xfrm>
+            <a:prstGeom prst="line">
+              <a:avLst/>
+            </a:prstGeom>
+          </p:spPr>
+          <p:style>
+            <a:lnRef idx="1">
+              <a:schemeClr val="dk1"/>
+            </a:lnRef>
+            <a:fillRef idx="0">
+              <a:schemeClr val="dk1"/>
+            </a:fillRef>
+            <a:effectRef idx="0">
+              <a:schemeClr val="dk1"/>
+            </a:effectRef>
+            <a:fontRef idx="minor">
+              <a:schemeClr val="tx1"/>
+            </a:fontRef>
+          </p:style>
+        </p:cxnSp>
+        <p:sp>
+          <p:nvSpPr>
+            <p:cNvPr id="22" name="Isosceles Triangle 21">
+              <a:extLst>
+                <a:ext uri="{FF2B5EF4-FFF2-40B4-BE49-F238E27FC236}">
+                  <a16:creationId xmlns:a16="http://schemas.microsoft.com/office/drawing/2014/main" id="{5B05E708-A76C-1223-D778-784B1A8586BA}"/>
+                </a:ext>
+              </a:extLst>
+            </p:cNvPr>
+            <p:cNvSpPr>
+              <a:spLocks/>
+            </p:cNvSpPr>
+            <p:nvPr/>
+          </p:nvSpPr>
+          <p:spPr>
+            <a:xfrm rot="6262703">
+              <a:off x="2763520" y="701040"/>
+              <a:ext cx="264160" cy="325120"/>
+            </a:xfrm>
+            <a:prstGeom prst="triangle">
+              <a:avLst>
+                <a:gd name="adj" fmla="val 46154"/>
+              </a:avLst>
+            </a:prstGeom>
+            <a:ln>
+              <a:solidFill>
+                <a:schemeClr val="tx1"/>
+              </a:solidFill>
+            </a:ln>
+          </p:spPr>
+          <p:style>
+            <a:lnRef idx="2">
+              <a:schemeClr val="accent6"/>
+            </a:lnRef>
+            <a:fillRef idx="1">
+              <a:schemeClr val="lt1"/>
+            </a:fillRef>
+            <a:effectRef idx="0">
+              <a:schemeClr val="accent6"/>
+            </a:effectRef>
+            <a:fontRef idx="minor">
+              <a:schemeClr val="dk1"/>
+            </a:fontRef>
+          </p:style>
+          <p:txBody>
+            <a:bodyPr rtlCol="0" anchor="ctr"/>
+            <a:lstStyle/>
+            <a:p>
+              <a:pPr algn="ctr"/>
+              <a:endParaRPr lang="en-SG"/>
+            </a:p>
+          </p:txBody>
+        </p:sp>
+      </p:grpSp>
+      <p:grpSp>
+        <p:nvGrpSpPr>
+          <p:cNvPr id="23" name="Group 22">
+            <a:extLst>
+              <a:ext uri="{FF2B5EF4-FFF2-40B4-BE49-F238E27FC236}">
+                <a16:creationId xmlns:a16="http://schemas.microsoft.com/office/drawing/2014/main" id="{30F308D3-273B-D5B4-A078-5B153541006D}"/>
+              </a:ext>
+            </a:extLst>
+          </p:cNvPr>
+          <p:cNvGrpSpPr/>
+          <p:nvPr/>
+        </p:nvGrpSpPr>
+        <p:grpSpPr>
+          <a:xfrm rot="16998405">
+            <a:off x="3021164" y="4290851"/>
+            <a:ext cx="2252747" cy="513080"/>
+            <a:chOff x="805413" y="482600"/>
+            <a:chExt cx="2252747" cy="513080"/>
+          </a:xfrm>
+        </p:grpSpPr>
+        <p:cxnSp>
+          <p:nvCxnSpPr>
+            <p:cNvPr id="24" name="Straight Connector 23">
+              <a:extLst>
+                <a:ext uri="{FF2B5EF4-FFF2-40B4-BE49-F238E27FC236}">
+                  <a16:creationId xmlns:a16="http://schemas.microsoft.com/office/drawing/2014/main" id="{3DC7A279-5C64-331E-1E6F-BA2DF0188588}"/>
+                </a:ext>
+              </a:extLst>
+            </p:cNvPr>
+            <p:cNvCxnSpPr>
+              <a:cxnSpLocks/>
+            </p:cNvCxnSpPr>
+            <p:nvPr/>
+          </p:nvCxnSpPr>
+          <p:spPr>
+            <a:xfrm>
+              <a:off x="805413" y="482600"/>
+              <a:ext cx="1899920" cy="325120"/>
+            </a:xfrm>
+            <a:prstGeom prst="line">
+              <a:avLst/>
+            </a:prstGeom>
+          </p:spPr>
+          <p:style>
+            <a:lnRef idx="1">
+              <a:schemeClr val="dk1"/>
+            </a:lnRef>
+            <a:fillRef idx="0">
+              <a:schemeClr val="dk1"/>
+            </a:fillRef>
+            <a:effectRef idx="0">
+              <a:schemeClr val="dk1"/>
+            </a:effectRef>
+            <a:fontRef idx="minor">
+              <a:schemeClr val="tx1"/>
+            </a:fontRef>
+          </p:style>
+        </p:cxnSp>
+        <p:sp>
+          <p:nvSpPr>
+            <p:cNvPr id="25" name="Isosceles Triangle 24">
+              <a:extLst>
+                <a:ext uri="{FF2B5EF4-FFF2-40B4-BE49-F238E27FC236}">
+                  <a16:creationId xmlns:a16="http://schemas.microsoft.com/office/drawing/2014/main" id="{D23E1C90-B31A-6321-DA25-BD601F084F8A}"/>
+                </a:ext>
+              </a:extLst>
+            </p:cNvPr>
+            <p:cNvSpPr>
+              <a:spLocks/>
+            </p:cNvSpPr>
+            <p:nvPr/>
+          </p:nvSpPr>
+          <p:spPr>
+            <a:xfrm rot="6262703">
+              <a:off x="2763520" y="701040"/>
+              <a:ext cx="264160" cy="325120"/>
+            </a:xfrm>
+            <a:prstGeom prst="triangle">
+              <a:avLst>
+                <a:gd name="adj" fmla="val 46154"/>
+              </a:avLst>
+            </a:prstGeom>
+            <a:ln>
+              <a:solidFill>
+                <a:schemeClr val="tx1"/>
+              </a:solidFill>
+            </a:ln>
+          </p:spPr>
+          <p:style>
+            <a:lnRef idx="2">
+              <a:schemeClr val="accent6"/>
+            </a:lnRef>
+            <a:fillRef idx="1">
+              <a:schemeClr val="lt1"/>
+            </a:fillRef>
+            <a:effectRef idx="0">
+              <a:schemeClr val="accent6"/>
+            </a:effectRef>
+            <a:fontRef idx="minor">
+              <a:schemeClr val="dk1"/>
+            </a:fontRef>
+          </p:style>
+          <p:txBody>
+            <a:bodyPr rtlCol="0" anchor="ctr"/>
+            <a:lstStyle/>
+            <a:p>
+              <a:pPr algn="ctr"/>
+              <a:endParaRPr lang="en-SG"/>
+            </a:p>
+          </p:txBody>
+        </p:sp>
+      </p:grpSp>
+      <p:grpSp>
+        <p:nvGrpSpPr>
+          <p:cNvPr id="26" name="Group 25">
+            <a:extLst>
+              <a:ext uri="{FF2B5EF4-FFF2-40B4-BE49-F238E27FC236}">
+                <a16:creationId xmlns:a16="http://schemas.microsoft.com/office/drawing/2014/main" id="{4C8DB5D0-93F8-A917-89B2-6152681E25EC}"/>
+              </a:ext>
+            </a:extLst>
+          </p:cNvPr>
+          <p:cNvGrpSpPr/>
+          <p:nvPr/>
+        </p:nvGrpSpPr>
+        <p:grpSpPr>
+          <a:xfrm rot="14595429">
+            <a:off x="4667011" y="4319400"/>
+            <a:ext cx="2252747" cy="513080"/>
+            <a:chOff x="805413" y="482600"/>
+            <a:chExt cx="2252747" cy="513080"/>
+          </a:xfrm>
+        </p:grpSpPr>
+        <p:cxnSp>
+          <p:nvCxnSpPr>
+            <p:cNvPr id="27" name="Straight Connector 26">
+              <a:extLst>
+                <a:ext uri="{FF2B5EF4-FFF2-40B4-BE49-F238E27FC236}">
+                  <a16:creationId xmlns:a16="http://schemas.microsoft.com/office/drawing/2014/main" id="{05540E0A-AC79-19F4-3B84-9F1C29C0FC9E}"/>
+                </a:ext>
+              </a:extLst>
+            </p:cNvPr>
+            <p:cNvCxnSpPr>
+              <a:cxnSpLocks/>
+            </p:cNvCxnSpPr>
+            <p:nvPr/>
+          </p:nvCxnSpPr>
+          <p:spPr>
+            <a:xfrm>
+              <a:off x="805413" y="482600"/>
+              <a:ext cx="1899920" cy="325120"/>
+            </a:xfrm>
+            <a:prstGeom prst="line">
+              <a:avLst/>
+            </a:prstGeom>
+          </p:spPr>
+          <p:style>
+            <a:lnRef idx="1">
+              <a:schemeClr val="dk1"/>
+            </a:lnRef>
+            <a:fillRef idx="0">
+              <a:schemeClr val="dk1"/>
+            </a:fillRef>
+            <a:effectRef idx="0">
+              <a:schemeClr val="dk1"/>
+            </a:effectRef>
+            <a:fontRef idx="minor">
+              <a:schemeClr val="tx1"/>
+            </a:fontRef>
+          </p:style>
+        </p:cxnSp>
+        <p:sp>
+          <p:nvSpPr>
+            <p:cNvPr id="28" name="Isosceles Triangle 27">
+              <a:extLst>
+                <a:ext uri="{FF2B5EF4-FFF2-40B4-BE49-F238E27FC236}">
+                  <a16:creationId xmlns:a16="http://schemas.microsoft.com/office/drawing/2014/main" id="{83977C20-5C19-FE07-DEA4-1F404B65286B}"/>
+                </a:ext>
+              </a:extLst>
+            </p:cNvPr>
+            <p:cNvSpPr>
+              <a:spLocks/>
+            </p:cNvSpPr>
+            <p:nvPr/>
+          </p:nvSpPr>
+          <p:spPr>
+            <a:xfrm rot="6262703">
+              <a:off x="2763520" y="701040"/>
+              <a:ext cx="264160" cy="325120"/>
+            </a:xfrm>
+            <a:prstGeom prst="triangle">
+              <a:avLst>
+                <a:gd name="adj" fmla="val 46154"/>
+              </a:avLst>
+            </a:prstGeom>
+            <a:ln>
+              <a:solidFill>
+                <a:schemeClr val="tx1"/>
+              </a:solidFill>
+            </a:ln>
+          </p:spPr>
+          <p:style>
+            <a:lnRef idx="2">
+              <a:schemeClr val="accent6"/>
+            </a:lnRef>
+            <a:fillRef idx="1">
+              <a:schemeClr val="lt1"/>
+            </a:fillRef>
+            <a:effectRef idx="0">
+              <a:schemeClr val="accent6"/>
+            </a:effectRef>
+            <a:fontRef idx="minor">
+              <a:schemeClr val="dk1"/>
+            </a:fontRef>
+          </p:style>
+          <p:txBody>
+            <a:bodyPr rtlCol="0" anchor="ctr"/>
+            <a:lstStyle/>
+            <a:p>
+              <a:pPr algn="ctr"/>
+              <a:endParaRPr lang="en-SG"/>
+            </a:p>
+          </p:txBody>
+        </p:sp>
+      </p:grpSp>
+      <p:sp>
+        <p:nvSpPr>
+          <p:cNvPr id="29" name="Rectangle 28">
+            <a:extLst>
+              <a:ext uri="{FF2B5EF4-FFF2-40B4-BE49-F238E27FC236}">
+                <a16:creationId xmlns:a16="http://schemas.microsoft.com/office/drawing/2014/main" id="{F95D6F71-1F61-1983-E9B0-0C4946471843}"/>
+              </a:ext>
+            </a:extLst>
+          </p:cNvPr>
+          <p:cNvSpPr/>
+          <p:nvPr/>
+        </p:nvSpPr>
+        <p:spPr>
+          <a:xfrm>
+            <a:off x="4078001" y="5833776"/>
+            <a:ext cx="1544320" cy="518160"/>
+          </a:xfrm>
+          <a:prstGeom prst="rect">
+            <a:avLst/>
+          </a:prstGeom>
+          <a:solidFill>
+            <a:schemeClr val="accent6"/>
+          </a:solidFill>
+          <a:ln>
+            <a:solidFill>
+              <a:schemeClr val="tx1"/>
+            </a:solidFill>
+          </a:ln>
+        </p:spPr>
+        <p:style>
+          <a:lnRef idx="2">
+            <a:schemeClr val="accent6"/>
+          </a:lnRef>
+          <a:fillRef idx="1">
+            <a:schemeClr val="lt1"/>
+          </a:fillRef>
+          <a:effectRef idx="0">
+            <a:schemeClr val="accent6"/>
+          </a:effectRef>
+          <a:fontRef idx="minor">
+            <a:schemeClr val="dk1"/>
+          </a:fontRef>
+        </p:style>
+        <p:txBody>
+          <a:bodyPr rtlCol="0" anchor="ctr"/>
+          <a:lstStyle/>
+          <a:p>
+            <a:pPr algn="ctr"/>
+            <a:r>
+              <a:rPr lang="en-SG" dirty="0" err="1">
+                <a:solidFill>
+                  <a:schemeClr val="bg1"/>
+                </a:solidFill>
+              </a:rPr>
+              <a:t>ExampleUi</a:t>
+            </a:r>
+            <a:endParaRPr lang="en-SG" dirty="0">
+              <a:solidFill>
+                <a:schemeClr val="bg1"/>
+              </a:solidFill>
+            </a:endParaRPr>
+          </a:p>
+        </p:txBody>
+      </p:sp>
+      <p:sp>
+        <p:nvSpPr>
+          <p:cNvPr id="30" name="Rectangle 29">
+            <a:extLst>
+              <a:ext uri="{FF2B5EF4-FFF2-40B4-BE49-F238E27FC236}">
+                <a16:creationId xmlns:a16="http://schemas.microsoft.com/office/drawing/2014/main" id="{CB8ED176-F50D-046C-4B18-FF26C4CE2A0C}"/>
+              </a:ext>
+            </a:extLst>
+          </p:cNvPr>
+          <p:cNvSpPr/>
+          <p:nvPr/>
+        </p:nvSpPr>
+        <p:spPr>
+          <a:xfrm>
+            <a:off x="2536733" y="5559330"/>
+            <a:ext cx="1544320" cy="518160"/>
+          </a:xfrm>
+          <a:prstGeom prst="rect">
+            <a:avLst/>
+          </a:prstGeom>
+          <a:solidFill>
+            <a:schemeClr val="accent6"/>
+          </a:solidFill>
+          <a:ln>
+            <a:solidFill>
+              <a:schemeClr val="tx1"/>
+            </a:solidFill>
+          </a:ln>
+        </p:spPr>
+        <p:style>
+          <a:lnRef idx="2">
+            <a:schemeClr val="accent6"/>
+          </a:lnRef>
+          <a:fillRef idx="1">
+            <a:schemeClr val="lt1"/>
+          </a:fillRef>
+          <a:effectRef idx="0">
+            <a:schemeClr val="accent6"/>
+          </a:effectRef>
+          <a:fontRef idx="minor">
+            <a:schemeClr val="dk1"/>
+          </a:fontRef>
+        </p:style>
+        <p:txBody>
+          <a:bodyPr rtlCol="0" anchor="ctr"/>
+          <a:lstStyle/>
+          <a:p>
+            <a:pPr algn="ctr"/>
+            <a:r>
+              <a:rPr lang="en-SG" dirty="0" err="1">
+                <a:solidFill>
+                  <a:schemeClr val="bg1"/>
+                </a:solidFill>
+              </a:rPr>
+              <a:t>CalorieUi</a:t>
+            </a:r>
+            <a:endParaRPr lang="en-SG" dirty="0">
+              <a:solidFill>
+                <a:schemeClr val="bg1"/>
+              </a:solidFill>
+            </a:endParaRPr>
+          </a:p>
+        </p:txBody>
+      </p:sp>
+      <p:sp>
+        <p:nvSpPr>
+          <p:cNvPr id="31" name="Rectangle 30">
+            <a:extLst>
+              <a:ext uri="{FF2B5EF4-FFF2-40B4-BE49-F238E27FC236}">
+                <a16:creationId xmlns:a16="http://schemas.microsoft.com/office/drawing/2014/main" id="{8728F7B1-47DB-08FE-0173-B142DF177045}"/>
+              </a:ext>
+            </a:extLst>
+          </p:cNvPr>
+          <p:cNvSpPr/>
+          <p:nvPr/>
+        </p:nvSpPr>
+        <p:spPr>
+          <a:xfrm>
+            <a:off x="5710676" y="5711120"/>
+            <a:ext cx="1544320" cy="518160"/>
+          </a:xfrm>
+          <a:prstGeom prst="rect">
+            <a:avLst/>
+          </a:prstGeom>
+          <a:solidFill>
+            <a:schemeClr val="accent6"/>
+          </a:solidFill>
+          <a:ln>
+            <a:solidFill>
+              <a:schemeClr val="tx1"/>
+            </a:solidFill>
+          </a:ln>
+        </p:spPr>
+        <p:style>
+          <a:lnRef idx="2">
+            <a:schemeClr val="accent6"/>
+          </a:lnRef>
+          <a:fillRef idx="1">
+            <a:schemeClr val="lt1"/>
+          </a:fillRef>
+          <a:effectRef idx="0">
+            <a:schemeClr val="accent6"/>
+          </a:effectRef>
+          <a:fontRef idx="minor">
+            <a:schemeClr val="dk1"/>
+          </a:fontRef>
+        </p:style>
+        <p:txBody>
+          <a:bodyPr rtlCol="0" anchor="ctr"/>
+          <a:lstStyle/>
+          <a:p>
+            <a:pPr algn="ctr"/>
+            <a:r>
+              <a:rPr lang="en-SG" dirty="0" err="1">
+                <a:solidFill>
+                  <a:schemeClr val="bg1"/>
+                </a:solidFill>
+              </a:rPr>
+              <a:t>ExerciseUi</a:t>
+            </a:r>
+            <a:endParaRPr lang="en-SG" dirty="0">
+              <a:solidFill>
+                <a:schemeClr val="bg1"/>
+              </a:solidFill>
+            </a:endParaRPr>
+          </a:p>
+        </p:txBody>
+      </p:sp>
+      <p:sp>
+        <p:nvSpPr>
+          <p:cNvPr id="32" name="Rectangle 31">
+            <a:extLst>
+              <a:ext uri="{FF2B5EF4-FFF2-40B4-BE49-F238E27FC236}">
+                <a16:creationId xmlns:a16="http://schemas.microsoft.com/office/drawing/2014/main" id="{0FFEBB67-DB21-CE96-13C9-CD6F3F1E7D5F}"/>
+              </a:ext>
+            </a:extLst>
+          </p:cNvPr>
+          <p:cNvSpPr/>
+          <p:nvPr/>
+        </p:nvSpPr>
+        <p:spPr>
+          <a:xfrm>
+            <a:off x="7105985" y="5091548"/>
+            <a:ext cx="1544320" cy="518160"/>
+          </a:xfrm>
+          <a:prstGeom prst="rect">
+            <a:avLst/>
+          </a:prstGeom>
+          <a:solidFill>
+            <a:schemeClr val="accent6"/>
+          </a:solidFill>
+          <a:ln>
+            <a:solidFill>
+              <a:schemeClr val="tx1"/>
+            </a:solidFill>
+          </a:ln>
+        </p:spPr>
+        <p:style>
+          <a:lnRef idx="2">
+            <a:schemeClr val="accent6"/>
+          </a:lnRef>
+          <a:fillRef idx="1">
+            <a:schemeClr val="lt1"/>
+          </a:fillRef>
+          <a:effectRef idx="0">
+            <a:schemeClr val="accent6"/>
+          </a:effectRef>
+          <a:fontRef idx="minor">
+            <a:schemeClr val="dk1"/>
+          </a:fontRef>
+        </p:style>
+        <p:txBody>
+          <a:bodyPr rtlCol="0" anchor="ctr"/>
+          <a:lstStyle/>
+          <a:p>
+            <a:pPr algn="ctr"/>
+            <a:r>
+              <a:rPr lang="en-SG" dirty="0" err="1">
+                <a:solidFill>
+                  <a:schemeClr val="bg1"/>
+                </a:solidFill>
+              </a:rPr>
+              <a:t>WeightUi</a:t>
+            </a:r>
+            <a:endParaRPr lang="en-SG" dirty="0">
+              <a:solidFill>
+                <a:schemeClr val="bg1"/>
+              </a:solidFill>
+            </a:endParaRPr>
+          </a:p>
+        </p:txBody>
+      </p:sp>
+      <p:cxnSp>
+        <p:nvCxnSpPr>
+          <p:cNvPr id="34" name="Straight Arrow Connector 33">
+            <a:extLst>
+              <a:ext uri="{FF2B5EF4-FFF2-40B4-BE49-F238E27FC236}">
+                <a16:creationId xmlns:a16="http://schemas.microsoft.com/office/drawing/2014/main" id="{C9FEFB92-2CA3-E387-C1D3-A4D2DB82E863}"/>
+              </a:ext>
+            </a:extLst>
+          </p:cNvPr>
+          <p:cNvCxnSpPr>
+            <a:cxnSpLocks/>
+            <a:endCxn id="40" idx="1"/>
+          </p:cNvCxnSpPr>
+          <p:nvPr/>
+        </p:nvCxnSpPr>
+        <p:spPr>
+          <a:xfrm flipV="1">
+            <a:off x="6052530" y="2244697"/>
+            <a:ext cx="3911915" cy="921498"/>
+          </a:xfrm>
+          <a:prstGeom prst="straightConnector1">
+            <a:avLst/>
+          </a:prstGeom>
+          <a:ln>
+            <a:solidFill>
+              <a:schemeClr val="tx1"/>
+            </a:solidFill>
+            <a:prstDash val="dash"/>
+            <a:tailEnd type="triangle"/>
+          </a:ln>
+        </p:spPr>
+        <p:style>
+          <a:lnRef idx="1">
+            <a:schemeClr val="dk1"/>
+          </a:lnRef>
+          <a:fillRef idx="0">
+            <a:schemeClr val="dk1"/>
+          </a:fillRef>
+          <a:effectRef idx="0">
+            <a:schemeClr val="dk1"/>
+          </a:effectRef>
+          <a:fontRef idx="minor">
+            <a:schemeClr val="tx1"/>
+          </a:fontRef>
+        </p:style>
+      </p:cxnSp>
+      <p:cxnSp>
+        <p:nvCxnSpPr>
+          <p:cNvPr id="35" name="Straight Arrow Connector 34">
+            <a:extLst>
+              <a:ext uri="{FF2B5EF4-FFF2-40B4-BE49-F238E27FC236}">
+                <a16:creationId xmlns:a16="http://schemas.microsoft.com/office/drawing/2014/main" id="{70A2519C-072B-B7EF-30FA-1F8FAB17F0D6}"/>
+              </a:ext>
+            </a:extLst>
+          </p:cNvPr>
+          <p:cNvCxnSpPr>
+            <a:cxnSpLocks/>
+            <a:stCxn id="11" idx="3"/>
+            <a:endCxn id="39" idx="1"/>
+          </p:cNvCxnSpPr>
+          <p:nvPr/>
+        </p:nvCxnSpPr>
+        <p:spPr>
+          <a:xfrm>
+            <a:off x="6065520" y="3190240"/>
+            <a:ext cx="3898925" cy="618656"/>
+          </a:xfrm>
+          <a:prstGeom prst="straightConnector1">
+            <a:avLst/>
+          </a:prstGeom>
+          <a:ln>
+            <a:solidFill>
+              <a:schemeClr val="tx1"/>
+            </a:solidFill>
+            <a:prstDash val="dash"/>
+            <a:tailEnd type="triangle"/>
+          </a:ln>
+        </p:spPr>
+        <p:style>
+          <a:lnRef idx="1">
+            <a:schemeClr val="dk1"/>
+          </a:lnRef>
+          <a:fillRef idx="0">
+            <a:schemeClr val="dk1"/>
+          </a:fillRef>
+          <a:effectRef idx="0">
+            <a:schemeClr val="dk1"/>
+          </a:effectRef>
+          <a:fontRef idx="minor">
+            <a:schemeClr val="tx1"/>
+          </a:fontRef>
+        </p:style>
+      </p:cxnSp>
+      <p:sp>
+        <p:nvSpPr>
+          <p:cNvPr id="39" name="Rectangle 38">
+            <a:extLst>
+              <a:ext uri="{FF2B5EF4-FFF2-40B4-BE49-F238E27FC236}">
+                <a16:creationId xmlns:a16="http://schemas.microsoft.com/office/drawing/2014/main" id="{58A7A737-F6F0-6980-842D-B1EE5C017357}"/>
+              </a:ext>
+            </a:extLst>
+          </p:cNvPr>
+          <p:cNvSpPr/>
+          <p:nvPr/>
+        </p:nvSpPr>
+        <p:spPr>
+          <a:xfrm>
+            <a:off x="9964445" y="3549816"/>
+            <a:ext cx="1544320" cy="518160"/>
+          </a:xfrm>
+          <a:prstGeom prst="rect">
+            <a:avLst/>
+          </a:prstGeom>
+          <a:ln>
+            <a:solidFill>
+              <a:schemeClr val="tx1"/>
+            </a:solidFill>
+          </a:ln>
+        </p:spPr>
+        <p:style>
+          <a:lnRef idx="2">
+            <a:schemeClr val="accent6"/>
+          </a:lnRef>
+          <a:fillRef idx="1">
+            <a:schemeClr val="lt1"/>
+          </a:fillRef>
+          <a:effectRef idx="0">
+            <a:schemeClr val="accent6"/>
+          </a:effectRef>
+          <a:fontRef idx="minor">
+            <a:schemeClr val="dk1"/>
+          </a:fontRef>
+        </p:style>
+        <p:txBody>
+          <a:bodyPr rtlCol="0" anchor="ctr"/>
+          <a:lstStyle/>
+          <a:p>
+            <a:pPr algn="ctr"/>
+            <a:r>
+              <a:rPr lang="en-SG" dirty="0"/>
+              <a:t>storage</a:t>
+            </a:r>
+          </a:p>
+        </p:txBody>
+      </p:sp>
+      <p:sp>
+        <p:nvSpPr>
+          <p:cNvPr id="40" name="Rectangle 39">
+            <a:extLst>
+              <a:ext uri="{FF2B5EF4-FFF2-40B4-BE49-F238E27FC236}">
+                <a16:creationId xmlns:a16="http://schemas.microsoft.com/office/drawing/2014/main" id="{38225AF3-9D18-2B9F-0D74-5BB16F671BFC}"/>
+              </a:ext>
+            </a:extLst>
+          </p:cNvPr>
+          <p:cNvSpPr/>
+          <p:nvPr/>
+        </p:nvSpPr>
+        <p:spPr>
+          <a:xfrm>
+            <a:off x="9964445" y="1985617"/>
+            <a:ext cx="1544320" cy="518160"/>
+          </a:xfrm>
+          <a:prstGeom prst="rect">
+            <a:avLst/>
+          </a:prstGeom>
+          <a:ln>
+            <a:solidFill>
+              <a:schemeClr val="tx1"/>
+            </a:solidFill>
+          </a:ln>
+        </p:spPr>
+        <p:style>
+          <a:lnRef idx="2">
+            <a:schemeClr val="accent6"/>
+          </a:lnRef>
+          <a:fillRef idx="1">
+            <a:schemeClr val="lt1"/>
+          </a:fillRef>
+          <a:effectRef idx="0">
+            <a:schemeClr val="accent6"/>
+          </a:effectRef>
+          <a:fontRef idx="minor">
+            <a:schemeClr val="dk1"/>
+          </a:fontRef>
+        </p:style>
+        <p:txBody>
+          <a:bodyPr rtlCol="0" anchor="ctr"/>
+          <a:lstStyle/>
+          <a:p>
+            <a:pPr algn="ctr"/>
+            <a:r>
+              <a:rPr lang="en-SG" dirty="0"/>
+              <a:t>entities</a:t>
+            </a:r>
+          </a:p>
+        </p:txBody>
+      </p:sp>
+      <p:sp>
+        <p:nvSpPr>
+          <p:cNvPr id="44" name="TextBox 43">
+            <a:extLst>
+              <a:ext uri="{FF2B5EF4-FFF2-40B4-BE49-F238E27FC236}">
+                <a16:creationId xmlns:a16="http://schemas.microsoft.com/office/drawing/2014/main" id="{CA9469DF-D412-1475-64BA-936E0D9E73D0}"/>
+              </a:ext>
+            </a:extLst>
+          </p:cNvPr>
+          <p:cNvSpPr txBox="1"/>
+          <p:nvPr/>
+        </p:nvSpPr>
+        <p:spPr>
+          <a:xfrm>
+            <a:off x="2360428" y="1360967"/>
+            <a:ext cx="2498651" cy="369332"/>
+          </a:xfrm>
+          <a:prstGeom prst="rect">
+            <a:avLst/>
+          </a:prstGeom>
+          <a:noFill/>
+        </p:spPr>
+        <p:txBody>
+          <a:bodyPr wrap="square" rtlCol="0">
+            <a:spAutoFit/>
+          </a:bodyPr>
+          <a:lstStyle/>
+          <a:p>
+            <a:r>
+              <a:rPr lang="en-SG" b="1" dirty="0"/>
+              <a:t>Ui</a:t>
+            </a:r>
+          </a:p>
+        </p:txBody>
+      </p:sp>
+    </p:spTree>
+    <p:extLst>
+      <p:ext uri="{BB962C8B-B14F-4D97-AF65-F5344CB8AC3E}">
+        <p14:creationId xmlns:p14="http://schemas.microsoft.com/office/powerpoint/2010/main" val="3642901948"/>
+      </p:ext>
+    </p:extLst>
+  </p:cSld>
+  <p:clrMapOvr>
+    <a:masterClrMapping/>
+  </p:clrMapOvr>
+</p:sld>
+</file>
+
+<file path=ppt/slides/slide16.xml><?xml version="1.0" encoding="utf-8"?>
+<p:sld xmlns:a="http://schemas.openxmlformats.org/drawingml/2006/main" xmlns:r="http://schemas.openxmlformats.org/officeDocument/2006/relationships" xmlns:p="http://schemas.openxmlformats.org/presentationml/2006/main">
+  <p:cSld>
+    <p:spTree>
+      <p:nvGrpSpPr>
+        <p:cNvPr id="1" name=""/>
+        <p:cNvGrpSpPr/>
+        <p:nvPr/>
+      </p:nvGrpSpPr>
+      <p:grpSpPr>
+        <a:xfrm>
+          <a:off x="0" y="0"/>
+          <a:ext cx="0" cy="0"/>
+          <a:chOff x="0" y="0"/>
+          <a:chExt cx="0" cy="0"/>
+        </a:xfrm>
+      </p:grpSpPr>
+      <p:sp>
+        <p:nvSpPr>
+          <p:cNvPr id="48" name="Rectangle 47">
+            <a:extLst>
+              <a:ext uri="{FF2B5EF4-FFF2-40B4-BE49-F238E27FC236}">
+                <a16:creationId xmlns:a16="http://schemas.microsoft.com/office/drawing/2014/main" id="{6D3D2DBB-3BB4-5D98-7A31-5E0EBE49CB17}"/>
+              </a:ext>
+            </a:extLst>
+          </p:cNvPr>
+          <p:cNvSpPr>
+            <a:spLocks noGrp="1" noRot="1" noMove="1" noResize="1" noEditPoints="1" noAdjustHandles="1" noChangeArrowheads="1" noChangeShapeType="1"/>
+          </p:cNvSpPr>
+          <p:nvPr/>
+        </p:nvSpPr>
+        <p:spPr>
+          <a:xfrm>
+            <a:off x="-1" y="1956390"/>
+            <a:ext cx="7574286" cy="4752145"/>
+          </a:xfrm>
+          <a:prstGeom prst="rect">
+            <a:avLst/>
+          </a:prstGeom>
+          <a:solidFill>
+            <a:schemeClr val="bg1"/>
+          </a:solidFill>
+          <a:ln cap="flat">
+            <a:solidFill>
+              <a:schemeClr val="tx1"/>
+            </a:solidFill>
+            <a:miter lim="800000"/>
+          </a:ln>
+        </p:spPr>
+        <p:style>
+          <a:lnRef idx="2">
+            <a:schemeClr val="accent6"/>
+          </a:lnRef>
+          <a:fillRef idx="1">
+            <a:schemeClr val="lt1"/>
+          </a:fillRef>
+          <a:effectRef idx="0">
+            <a:schemeClr val="accent6"/>
+          </a:effectRef>
+          <a:fontRef idx="minor">
+            <a:schemeClr val="dk1"/>
+          </a:fontRef>
+        </p:style>
+        <p:txBody>
+          <a:bodyPr rtlCol="0" anchor="ctr"/>
+          <a:lstStyle/>
+          <a:p>
+            <a:pPr algn="ctr"/>
+            <a:endParaRPr lang="en-SG" dirty="0"/>
+          </a:p>
+        </p:txBody>
+      </p:sp>
+      <p:sp>
+        <p:nvSpPr>
+          <p:cNvPr id="4" name="Rectangle 3">
+            <a:extLst>
+              <a:ext uri="{FF2B5EF4-FFF2-40B4-BE49-F238E27FC236}">
+                <a16:creationId xmlns:a16="http://schemas.microsoft.com/office/drawing/2014/main" id="{891A75E9-5EFE-45FF-3C2A-68B94DC39D45}"/>
+              </a:ext>
+            </a:extLst>
+          </p:cNvPr>
+          <p:cNvSpPr/>
+          <p:nvPr/>
+        </p:nvSpPr>
+        <p:spPr>
+          <a:xfrm>
+            <a:off x="9324750" y="5505495"/>
+            <a:ext cx="1544320" cy="518160"/>
+          </a:xfrm>
+          <a:prstGeom prst="rect">
+            <a:avLst/>
+          </a:prstGeom>
+          <a:solidFill>
+            <a:schemeClr val="accent5"/>
+          </a:solidFill>
+          <a:ln>
+            <a:solidFill>
+              <a:schemeClr val="tx1"/>
+            </a:solidFill>
+          </a:ln>
+        </p:spPr>
+        <p:style>
+          <a:lnRef idx="2">
+            <a:schemeClr val="accent6"/>
+          </a:lnRef>
+          <a:fillRef idx="1">
+            <a:schemeClr val="lt1"/>
+          </a:fillRef>
+          <a:effectRef idx="0">
+            <a:schemeClr val="accent6"/>
+          </a:effectRef>
+          <a:fontRef idx="minor">
+            <a:schemeClr val="dk1"/>
+          </a:fontRef>
+        </p:style>
+        <p:txBody>
+          <a:bodyPr rtlCol="0" anchor="ctr"/>
+          <a:lstStyle/>
+          <a:p>
+            <a:pPr algn="ctr"/>
+            <a:r>
+              <a:rPr lang="en-SG" dirty="0">
+                <a:solidFill>
+                  <a:schemeClr val="bg1"/>
+                </a:solidFill>
+              </a:rPr>
+              <a:t>Ui</a:t>
+            </a:r>
+          </a:p>
+        </p:txBody>
+      </p:sp>
+      <p:cxnSp>
+        <p:nvCxnSpPr>
+          <p:cNvPr id="5" name="Straight Arrow Connector 4">
+            <a:extLst>
+              <a:ext uri="{FF2B5EF4-FFF2-40B4-BE49-F238E27FC236}">
+                <a16:creationId xmlns:a16="http://schemas.microsoft.com/office/drawing/2014/main" id="{C76F53A1-E4E9-AF6A-D33A-06D94C707D0A}"/>
+              </a:ext>
+            </a:extLst>
+          </p:cNvPr>
+          <p:cNvCxnSpPr>
+            <a:cxnSpLocks/>
+          </p:cNvCxnSpPr>
+          <p:nvPr/>
+        </p:nvCxnSpPr>
+        <p:spPr>
+          <a:xfrm flipH="1">
+            <a:off x="5323840" y="971726"/>
+            <a:ext cx="420744" cy="1335539"/>
+          </a:xfrm>
+          <a:prstGeom prst="straightConnector1">
+            <a:avLst/>
+          </a:prstGeom>
+          <a:ln>
+            <a:solidFill>
+              <a:schemeClr val="tx1"/>
+            </a:solidFill>
+            <a:prstDash val="dash"/>
+            <a:tailEnd type="triangle"/>
+          </a:ln>
+        </p:spPr>
+        <p:style>
+          <a:lnRef idx="1">
+            <a:schemeClr val="dk1"/>
+          </a:lnRef>
+          <a:fillRef idx="0">
+            <a:schemeClr val="dk1"/>
+          </a:fillRef>
+          <a:effectRef idx="0">
+            <a:schemeClr val="dk1"/>
+          </a:effectRef>
+          <a:fontRef idx="minor">
+            <a:schemeClr val="tx1"/>
+          </a:fontRef>
+        </p:style>
+      </p:cxnSp>
+      <p:sp>
+        <p:nvSpPr>
+          <p:cNvPr id="11" name="Rectangle 10">
+            <a:extLst>
+              <a:ext uri="{FF2B5EF4-FFF2-40B4-BE49-F238E27FC236}">
+                <a16:creationId xmlns:a16="http://schemas.microsoft.com/office/drawing/2014/main" id="{E7626C63-915F-932A-893C-B0955D94F46A}"/>
+              </a:ext>
+            </a:extLst>
+          </p:cNvPr>
+          <p:cNvSpPr/>
+          <p:nvPr/>
+        </p:nvSpPr>
+        <p:spPr>
+          <a:xfrm>
+            <a:off x="4551679" y="2307265"/>
+            <a:ext cx="1795957" cy="518160"/>
+          </a:xfrm>
+          <a:prstGeom prst="rect">
+            <a:avLst/>
+          </a:prstGeom>
+          <a:solidFill>
+            <a:schemeClr val="accent5"/>
+          </a:solidFill>
+          <a:ln>
+            <a:solidFill>
+              <a:schemeClr val="tx1"/>
+            </a:solidFill>
+          </a:ln>
+        </p:spPr>
+        <p:style>
+          <a:lnRef idx="2">
+            <a:schemeClr val="accent6"/>
+          </a:lnRef>
+          <a:fillRef idx="1">
+            <a:schemeClr val="lt1"/>
+          </a:fillRef>
+          <a:effectRef idx="0">
+            <a:schemeClr val="accent6"/>
+          </a:effectRef>
+          <a:fontRef idx="minor">
+            <a:schemeClr val="dk1"/>
+          </a:fontRef>
+        </p:style>
+        <p:txBody>
+          <a:bodyPr rtlCol="0" anchor="ctr"/>
+          <a:lstStyle/>
+          <a:p>
+            <a:pPr algn="ctr"/>
+            <a:r>
+              <a:rPr lang="en-SG" dirty="0" err="1">
+                <a:solidFill>
+                  <a:schemeClr val="bg1"/>
+                </a:solidFill>
+              </a:rPr>
+              <a:t>CommandParser</a:t>
+            </a:r>
+            <a:endParaRPr lang="en-SG" dirty="0">
+              <a:solidFill>
+                <a:schemeClr val="bg1"/>
+              </a:solidFill>
+            </a:endParaRPr>
+          </a:p>
+        </p:txBody>
+      </p:sp>
+      <p:sp>
+        <p:nvSpPr>
+          <p:cNvPr id="12" name="Rectangle 11">
+            <a:extLst>
+              <a:ext uri="{FF2B5EF4-FFF2-40B4-BE49-F238E27FC236}">
+                <a16:creationId xmlns:a16="http://schemas.microsoft.com/office/drawing/2014/main" id="{21388AD1-4760-F16E-2C0E-104A882982AF}"/>
+              </a:ext>
+            </a:extLst>
+          </p:cNvPr>
+          <p:cNvSpPr/>
+          <p:nvPr/>
+        </p:nvSpPr>
+        <p:spPr>
+          <a:xfrm>
+            <a:off x="5449657" y="380883"/>
+            <a:ext cx="1544320" cy="518160"/>
+          </a:xfrm>
+          <a:prstGeom prst="rect">
+            <a:avLst/>
+          </a:prstGeom>
+          <a:solidFill>
+            <a:schemeClr val="accent5"/>
+          </a:solidFill>
+          <a:ln>
+            <a:solidFill>
+              <a:schemeClr val="tx1"/>
+            </a:solidFill>
+          </a:ln>
+        </p:spPr>
+        <p:style>
+          <a:lnRef idx="2">
+            <a:schemeClr val="accent6"/>
+          </a:lnRef>
+          <a:fillRef idx="1">
+            <a:schemeClr val="lt1"/>
+          </a:fillRef>
+          <a:effectRef idx="0">
+            <a:schemeClr val="accent6"/>
+          </a:effectRef>
+          <a:fontRef idx="minor">
+            <a:schemeClr val="dk1"/>
+          </a:fontRef>
+        </p:style>
+        <p:txBody>
+          <a:bodyPr rtlCol="0" anchor="ctr"/>
+          <a:lstStyle/>
+          <a:p>
+            <a:pPr algn="ctr"/>
+            <a:r>
+              <a:rPr lang="en-SG" dirty="0" err="1">
+                <a:solidFill>
+                  <a:schemeClr val="bg1"/>
+                </a:solidFill>
+              </a:rPr>
+              <a:t>LifeTracker</a:t>
+            </a:r>
+            <a:endParaRPr lang="en-SG" dirty="0">
+              <a:solidFill>
+                <a:schemeClr val="bg1"/>
+              </a:solidFill>
+            </a:endParaRPr>
+          </a:p>
+        </p:txBody>
+      </p:sp>
+      <p:grpSp>
+        <p:nvGrpSpPr>
+          <p:cNvPr id="13" name="Group 12">
+            <a:extLst>
+              <a:ext uri="{FF2B5EF4-FFF2-40B4-BE49-F238E27FC236}">
+                <a16:creationId xmlns:a16="http://schemas.microsoft.com/office/drawing/2014/main" id="{680D30CC-9F75-1795-4743-B8D7803F1736}"/>
+              </a:ext>
+            </a:extLst>
+          </p:cNvPr>
+          <p:cNvGrpSpPr/>
+          <p:nvPr/>
+        </p:nvGrpSpPr>
+        <p:grpSpPr>
+          <a:xfrm rot="3680844">
+            <a:off x="5669278" y="4552456"/>
+            <a:ext cx="1356715" cy="513080"/>
+            <a:chOff x="805413" y="482600"/>
+            <a:chExt cx="2252747" cy="513080"/>
+          </a:xfrm>
+        </p:grpSpPr>
+        <p:cxnSp>
+          <p:nvCxnSpPr>
+            <p:cNvPr id="14" name="Straight Connector 13">
+              <a:extLst>
+                <a:ext uri="{FF2B5EF4-FFF2-40B4-BE49-F238E27FC236}">
+                  <a16:creationId xmlns:a16="http://schemas.microsoft.com/office/drawing/2014/main" id="{CAF04A01-F6A2-1B16-A908-3B8D023F7100}"/>
+                </a:ext>
+              </a:extLst>
+            </p:cNvPr>
+            <p:cNvCxnSpPr>
+              <a:cxnSpLocks/>
+            </p:cNvCxnSpPr>
+            <p:nvPr/>
+          </p:nvCxnSpPr>
+          <p:spPr>
+            <a:xfrm>
+              <a:off x="805413" y="482600"/>
+              <a:ext cx="1899920" cy="325120"/>
+            </a:xfrm>
+            <a:prstGeom prst="line">
+              <a:avLst/>
+            </a:prstGeom>
+          </p:spPr>
+          <p:style>
+            <a:lnRef idx="1">
+              <a:schemeClr val="dk1"/>
+            </a:lnRef>
+            <a:fillRef idx="0">
+              <a:schemeClr val="dk1"/>
+            </a:fillRef>
+            <a:effectRef idx="0">
+              <a:schemeClr val="dk1"/>
+            </a:effectRef>
+            <a:fontRef idx="minor">
+              <a:schemeClr val="tx1"/>
+            </a:fontRef>
+          </p:style>
+        </p:cxnSp>
+        <p:sp>
+          <p:nvSpPr>
+            <p:cNvPr id="15" name="Isosceles Triangle 14">
+              <a:extLst>
+                <a:ext uri="{FF2B5EF4-FFF2-40B4-BE49-F238E27FC236}">
+                  <a16:creationId xmlns:a16="http://schemas.microsoft.com/office/drawing/2014/main" id="{1BCD7B54-B4FC-C7A4-118B-1BC808F97389}"/>
+                </a:ext>
+              </a:extLst>
+            </p:cNvPr>
+            <p:cNvSpPr>
+              <a:spLocks/>
+            </p:cNvSpPr>
+            <p:nvPr/>
+          </p:nvSpPr>
+          <p:spPr>
+            <a:xfrm rot="6262703">
+              <a:off x="2763520" y="701040"/>
+              <a:ext cx="264160" cy="325120"/>
+            </a:xfrm>
+            <a:prstGeom prst="triangle">
+              <a:avLst>
+                <a:gd name="adj" fmla="val 46154"/>
+              </a:avLst>
+            </a:prstGeom>
+            <a:ln>
+              <a:solidFill>
+                <a:schemeClr val="tx1"/>
+              </a:solidFill>
+            </a:ln>
+          </p:spPr>
+          <p:style>
+            <a:lnRef idx="2">
+              <a:schemeClr val="accent6"/>
+            </a:lnRef>
+            <a:fillRef idx="1">
+              <a:schemeClr val="lt1"/>
+            </a:fillRef>
+            <a:effectRef idx="0">
+              <a:schemeClr val="accent6"/>
+            </a:effectRef>
+            <a:fontRef idx="minor">
+              <a:schemeClr val="dk1"/>
+            </a:fontRef>
+          </p:style>
+          <p:txBody>
+            <a:bodyPr rtlCol="0" anchor="ctr"/>
+            <a:lstStyle/>
+            <a:p>
+              <a:pPr algn="ctr"/>
+              <a:endParaRPr lang="en-SG"/>
+            </a:p>
+          </p:txBody>
+        </p:sp>
+      </p:grpSp>
+      <p:sp>
+        <p:nvSpPr>
+          <p:cNvPr id="16" name="Rectangle 15">
+            <a:extLst>
+              <a:ext uri="{FF2B5EF4-FFF2-40B4-BE49-F238E27FC236}">
+                <a16:creationId xmlns:a16="http://schemas.microsoft.com/office/drawing/2014/main" id="{C4237903-4E9B-F2C7-2009-D85FFA189439}"/>
+              </a:ext>
+            </a:extLst>
+          </p:cNvPr>
+          <p:cNvSpPr/>
+          <p:nvPr/>
+        </p:nvSpPr>
+        <p:spPr>
+          <a:xfrm>
+            <a:off x="5744584" y="5505495"/>
+            <a:ext cx="1544320" cy="518160"/>
+          </a:xfrm>
+          <a:prstGeom prst="rect">
+            <a:avLst/>
+          </a:prstGeom>
+          <a:solidFill>
+            <a:schemeClr val="accent5"/>
+          </a:solidFill>
+          <a:ln>
+            <a:solidFill>
+              <a:schemeClr val="tx1"/>
+            </a:solidFill>
+          </a:ln>
+        </p:spPr>
+        <p:style>
+          <a:lnRef idx="2">
+            <a:schemeClr val="accent6"/>
+          </a:lnRef>
+          <a:fillRef idx="1">
+            <a:schemeClr val="lt1"/>
+          </a:fillRef>
+          <a:effectRef idx="0">
+            <a:schemeClr val="accent6"/>
+          </a:effectRef>
+          <a:fontRef idx="minor">
+            <a:schemeClr val="dk1"/>
+          </a:fontRef>
+        </p:style>
+        <p:txBody>
+          <a:bodyPr rtlCol="0" anchor="ctr"/>
+          <a:lstStyle/>
+          <a:p>
+            <a:pPr algn="ctr"/>
+            <a:r>
+              <a:rPr lang="en-SG" dirty="0">
+                <a:solidFill>
+                  <a:schemeClr val="bg1"/>
+                </a:solidFill>
+              </a:rPr>
+              <a:t>{abstract}</a:t>
+            </a:r>
+          </a:p>
+          <a:p>
+            <a:pPr algn="ctr"/>
+            <a:r>
+              <a:rPr lang="en-SG" dirty="0">
+                <a:solidFill>
+                  <a:schemeClr val="bg1"/>
+                </a:solidFill>
+              </a:rPr>
+              <a:t>Command</a:t>
+            </a:r>
+          </a:p>
+        </p:txBody>
+      </p:sp>
+      <p:cxnSp>
+        <p:nvCxnSpPr>
+          <p:cNvPr id="17" name="Straight Arrow Connector 16">
+            <a:extLst>
+              <a:ext uri="{FF2B5EF4-FFF2-40B4-BE49-F238E27FC236}">
+                <a16:creationId xmlns:a16="http://schemas.microsoft.com/office/drawing/2014/main" id="{1375C329-A4D3-968A-6BB3-8A600FC432A3}"/>
+              </a:ext>
+            </a:extLst>
+          </p:cNvPr>
+          <p:cNvCxnSpPr>
+            <a:cxnSpLocks/>
+            <a:endCxn id="19" idx="0"/>
+          </p:cNvCxnSpPr>
+          <p:nvPr/>
+        </p:nvCxnSpPr>
+        <p:spPr>
+          <a:xfrm flipH="1">
+            <a:off x="4352406" y="4032576"/>
+            <a:ext cx="1181621" cy="1445982"/>
+          </a:xfrm>
+          <a:prstGeom prst="straightConnector1">
+            <a:avLst/>
+          </a:prstGeom>
+          <a:ln>
+            <a:solidFill>
+              <a:schemeClr val="tx1"/>
+            </a:solidFill>
+            <a:prstDash val="dash"/>
+            <a:tailEnd type="triangle"/>
+          </a:ln>
+        </p:spPr>
+        <p:style>
+          <a:lnRef idx="1">
+            <a:schemeClr val="dk1"/>
+          </a:lnRef>
+          <a:fillRef idx="0">
+            <a:schemeClr val="dk1"/>
+          </a:fillRef>
+          <a:effectRef idx="0">
+            <a:schemeClr val="dk1"/>
+          </a:effectRef>
+          <a:fontRef idx="minor">
+            <a:schemeClr val="tx1"/>
+          </a:fontRef>
+        </p:style>
+      </p:cxnSp>
+      <p:sp>
+        <p:nvSpPr>
+          <p:cNvPr id="19" name="Rectangle 18">
+            <a:extLst>
+              <a:ext uri="{FF2B5EF4-FFF2-40B4-BE49-F238E27FC236}">
+                <a16:creationId xmlns:a16="http://schemas.microsoft.com/office/drawing/2014/main" id="{B029CAFB-3E43-301C-733E-938FAD57E80A}"/>
+              </a:ext>
+            </a:extLst>
+          </p:cNvPr>
+          <p:cNvSpPr/>
+          <p:nvPr/>
+        </p:nvSpPr>
+        <p:spPr>
+          <a:xfrm>
+            <a:off x="3580246" y="5478558"/>
+            <a:ext cx="1544320" cy="518160"/>
+          </a:xfrm>
+          <a:prstGeom prst="rect">
+            <a:avLst/>
+          </a:prstGeom>
+          <a:solidFill>
+            <a:schemeClr val="accent5"/>
+          </a:solidFill>
+          <a:ln>
+            <a:solidFill>
+              <a:schemeClr val="tx1"/>
+            </a:solidFill>
+          </a:ln>
+        </p:spPr>
+        <p:style>
+          <a:lnRef idx="2">
+            <a:schemeClr val="accent6"/>
+          </a:lnRef>
+          <a:fillRef idx="1">
+            <a:schemeClr val="lt1"/>
+          </a:fillRef>
+          <a:effectRef idx="0">
+            <a:schemeClr val="accent6"/>
+          </a:effectRef>
+          <a:fontRef idx="minor">
+            <a:schemeClr val="dk1"/>
+          </a:fontRef>
+        </p:style>
+        <p:txBody>
+          <a:bodyPr rtlCol="0" anchor="ctr"/>
+          <a:lstStyle/>
+          <a:p>
+            <a:pPr algn="ctr"/>
+            <a:r>
+              <a:rPr lang="en-SG" dirty="0" err="1">
+                <a:solidFill>
+                  <a:schemeClr val="bg1"/>
+                </a:solidFill>
+              </a:rPr>
+              <a:t>XYZException</a:t>
+            </a:r>
+            <a:endParaRPr lang="en-SG" dirty="0">
+              <a:solidFill>
+                <a:schemeClr val="bg1"/>
+              </a:solidFill>
+            </a:endParaRPr>
+          </a:p>
+        </p:txBody>
+      </p:sp>
+      <p:cxnSp>
+        <p:nvCxnSpPr>
+          <p:cNvPr id="21" name="Straight Arrow Connector 20">
+            <a:extLst>
+              <a:ext uri="{FF2B5EF4-FFF2-40B4-BE49-F238E27FC236}">
+                <a16:creationId xmlns:a16="http://schemas.microsoft.com/office/drawing/2014/main" id="{0A616E8A-90D3-D848-7456-C5F564D6558C}"/>
+              </a:ext>
+            </a:extLst>
+          </p:cNvPr>
+          <p:cNvCxnSpPr>
+            <a:cxnSpLocks/>
+            <a:stCxn id="11" idx="2"/>
+          </p:cNvCxnSpPr>
+          <p:nvPr/>
+        </p:nvCxnSpPr>
+        <p:spPr>
+          <a:xfrm>
+            <a:off x="5449658" y="2825425"/>
+            <a:ext cx="646342" cy="893487"/>
+          </a:xfrm>
+          <a:prstGeom prst="straightConnector1">
+            <a:avLst/>
+          </a:prstGeom>
+          <a:ln>
+            <a:solidFill>
+              <a:schemeClr val="tx1"/>
+            </a:solidFill>
+            <a:prstDash val="dash"/>
+            <a:tailEnd type="triangle"/>
+          </a:ln>
+        </p:spPr>
+        <p:style>
+          <a:lnRef idx="1">
+            <a:schemeClr val="dk1"/>
+          </a:lnRef>
+          <a:fillRef idx="0">
+            <a:schemeClr val="dk1"/>
+          </a:fillRef>
+          <a:effectRef idx="0">
+            <a:schemeClr val="dk1"/>
+          </a:effectRef>
+          <a:fontRef idx="minor">
+            <a:schemeClr val="tx1"/>
+          </a:fontRef>
+        </p:style>
+      </p:cxnSp>
+      <p:cxnSp>
+        <p:nvCxnSpPr>
+          <p:cNvPr id="24" name="Straight Arrow Connector 23">
+            <a:extLst>
+              <a:ext uri="{FF2B5EF4-FFF2-40B4-BE49-F238E27FC236}">
+                <a16:creationId xmlns:a16="http://schemas.microsoft.com/office/drawing/2014/main" id="{2E87C7CB-9B34-D7D7-5654-8A1B185A2A73}"/>
+              </a:ext>
+            </a:extLst>
+          </p:cNvPr>
+          <p:cNvCxnSpPr>
+            <a:cxnSpLocks/>
+          </p:cNvCxnSpPr>
+          <p:nvPr/>
+        </p:nvCxnSpPr>
+        <p:spPr>
+          <a:xfrm>
+            <a:off x="6668886" y="899043"/>
+            <a:ext cx="0" cy="2822352"/>
+          </a:xfrm>
+          <a:prstGeom prst="straightConnector1">
+            <a:avLst/>
+          </a:prstGeom>
+          <a:ln>
+            <a:tailEnd type="triangle"/>
+          </a:ln>
+        </p:spPr>
+        <p:style>
+          <a:lnRef idx="1">
+            <a:schemeClr val="dk1"/>
+          </a:lnRef>
+          <a:fillRef idx="0">
+            <a:schemeClr val="dk1"/>
+          </a:fillRef>
+          <a:effectRef idx="0">
+            <a:schemeClr val="dk1"/>
+          </a:effectRef>
+          <a:fontRef idx="minor">
+            <a:schemeClr val="tx1"/>
+          </a:fontRef>
+        </p:style>
+      </p:cxnSp>
+      <p:cxnSp>
+        <p:nvCxnSpPr>
+          <p:cNvPr id="26" name="Straight Arrow Connector 25">
+            <a:extLst>
+              <a:ext uri="{FF2B5EF4-FFF2-40B4-BE49-F238E27FC236}">
+                <a16:creationId xmlns:a16="http://schemas.microsoft.com/office/drawing/2014/main" id="{B6E3B3F0-8BF9-3693-4887-68A25499CA07}"/>
+              </a:ext>
+            </a:extLst>
+          </p:cNvPr>
+          <p:cNvCxnSpPr>
+            <a:cxnSpLocks/>
+          </p:cNvCxnSpPr>
+          <p:nvPr/>
+        </p:nvCxnSpPr>
+        <p:spPr>
+          <a:xfrm>
+            <a:off x="6796143" y="4087155"/>
+            <a:ext cx="1624843" cy="1391403"/>
+          </a:xfrm>
+          <a:prstGeom prst="straightConnector1">
+            <a:avLst/>
+          </a:prstGeom>
+          <a:ln>
+            <a:tailEnd type="triangle"/>
+          </a:ln>
+        </p:spPr>
+        <p:style>
+          <a:lnRef idx="1">
+            <a:schemeClr val="dk1"/>
+          </a:lnRef>
+          <a:fillRef idx="0">
+            <a:schemeClr val="dk1"/>
+          </a:fillRef>
+          <a:effectRef idx="0">
+            <a:schemeClr val="dk1"/>
+          </a:effectRef>
+          <a:fontRef idx="minor">
+            <a:schemeClr val="tx1"/>
+          </a:fontRef>
+        </p:style>
+      </p:cxnSp>
+      <p:cxnSp>
+        <p:nvCxnSpPr>
+          <p:cNvPr id="28" name="Straight Arrow Connector 27">
+            <a:extLst>
+              <a:ext uri="{FF2B5EF4-FFF2-40B4-BE49-F238E27FC236}">
+                <a16:creationId xmlns:a16="http://schemas.microsoft.com/office/drawing/2014/main" id="{F8420DEB-A443-EBDC-2943-15C93A49C831}"/>
+              </a:ext>
+            </a:extLst>
+          </p:cNvPr>
+          <p:cNvCxnSpPr>
+            <a:cxnSpLocks/>
+            <a:endCxn id="4" idx="0"/>
+          </p:cNvCxnSpPr>
+          <p:nvPr/>
+        </p:nvCxnSpPr>
+        <p:spPr>
+          <a:xfrm>
+            <a:off x="7013324" y="3828075"/>
+            <a:ext cx="3083586" cy="1677420"/>
+          </a:xfrm>
+          <a:prstGeom prst="straightConnector1">
+            <a:avLst/>
+          </a:prstGeom>
+          <a:ln>
+            <a:tailEnd type="triangle"/>
+          </a:ln>
+        </p:spPr>
+        <p:style>
+          <a:lnRef idx="1">
+            <a:schemeClr val="dk1"/>
+          </a:lnRef>
+          <a:fillRef idx="0">
+            <a:schemeClr val="dk1"/>
+          </a:fillRef>
+          <a:effectRef idx="0">
+            <a:schemeClr val="dk1"/>
+          </a:effectRef>
+          <a:fontRef idx="minor">
+            <a:schemeClr val="tx1"/>
+          </a:fontRef>
+        </p:style>
+      </p:cxnSp>
+      <p:sp>
+        <p:nvSpPr>
+          <p:cNvPr id="32" name="Rectangle 31">
+            <a:extLst>
+              <a:ext uri="{FF2B5EF4-FFF2-40B4-BE49-F238E27FC236}">
+                <a16:creationId xmlns:a16="http://schemas.microsoft.com/office/drawing/2014/main" id="{DDCA2BCE-E39C-786A-3571-06316FFFE7F3}"/>
+              </a:ext>
+            </a:extLst>
+          </p:cNvPr>
+          <p:cNvSpPr/>
+          <p:nvPr/>
+        </p:nvSpPr>
+        <p:spPr>
+          <a:xfrm>
+            <a:off x="7608564" y="5505495"/>
+            <a:ext cx="1544320" cy="518160"/>
+          </a:xfrm>
+          <a:prstGeom prst="rect">
+            <a:avLst/>
+          </a:prstGeom>
+          <a:solidFill>
+            <a:schemeClr val="accent5"/>
+          </a:solidFill>
+          <a:ln>
+            <a:solidFill>
+              <a:schemeClr val="tx1"/>
+            </a:solidFill>
+          </a:ln>
+        </p:spPr>
+        <p:style>
+          <a:lnRef idx="2">
+            <a:schemeClr val="accent6"/>
+          </a:lnRef>
+          <a:fillRef idx="1">
+            <a:schemeClr val="lt1"/>
+          </a:fillRef>
+          <a:effectRef idx="0">
+            <a:schemeClr val="accent6"/>
+          </a:effectRef>
+          <a:fontRef idx="minor">
+            <a:schemeClr val="dk1"/>
+          </a:fontRef>
+        </p:style>
+        <p:txBody>
+          <a:bodyPr rtlCol="0" anchor="ctr"/>
+          <a:lstStyle/>
+          <a:p>
+            <a:pPr algn="ctr"/>
+            <a:r>
+              <a:rPr lang="en-SG" dirty="0">
+                <a:solidFill>
+                  <a:schemeClr val="bg1"/>
+                </a:solidFill>
+              </a:rPr>
+              <a:t>Storage</a:t>
+            </a:r>
+          </a:p>
+        </p:txBody>
+      </p:sp>
+      <p:sp>
+        <p:nvSpPr>
+          <p:cNvPr id="33" name="Rectangle 32">
+            <a:extLst>
+              <a:ext uri="{FF2B5EF4-FFF2-40B4-BE49-F238E27FC236}">
+                <a16:creationId xmlns:a16="http://schemas.microsoft.com/office/drawing/2014/main" id="{290365C4-5B4E-FE49-5A63-5578F68B2A36}"/>
+              </a:ext>
+            </a:extLst>
+          </p:cNvPr>
+          <p:cNvSpPr/>
+          <p:nvPr/>
+        </p:nvSpPr>
+        <p:spPr>
+          <a:xfrm>
+            <a:off x="5622850" y="3721395"/>
+            <a:ext cx="1544320" cy="518160"/>
+          </a:xfrm>
+          <a:prstGeom prst="rect">
+            <a:avLst/>
+          </a:prstGeom>
+          <a:solidFill>
+            <a:schemeClr val="accent5"/>
+          </a:solidFill>
+          <a:ln>
+            <a:solidFill>
+              <a:schemeClr val="tx1"/>
+            </a:solidFill>
+          </a:ln>
+        </p:spPr>
+        <p:style>
+          <a:lnRef idx="2">
+            <a:schemeClr val="accent6"/>
+          </a:lnRef>
+          <a:fillRef idx="1">
+            <a:schemeClr val="lt1"/>
+          </a:fillRef>
+          <a:effectRef idx="0">
+            <a:schemeClr val="accent6"/>
+          </a:effectRef>
+          <a:fontRef idx="minor">
+            <a:schemeClr val="dk1"/>
+          </a:fontRef>
+        </p:style>
+        <p:txBody>
+          <a:bodyPr rtlCol="0" anchor="ctr"/>
+          <a:lstStyle/>
+          <a:p>
+            <a:pPr algn="ctr"/>
+            <a:r>
+              <a:rPr lang="en-SG" dirty="0" err="1">
+                <a:solidFill>
+                  <a:schemeClr val="bg1"/>
+                </a:solidFill>
+              </a:rPr>
+              <a:t>XYZCommand</a:t>
+            </a:r>
+            <a:endParaRPr lang="en-SG" dirty="0">
+              <a:solidFill>
+                <a:schemeClr val="bg1"/>
+              </a:solidFill>
+            </a:endParaRPr>
+          </a:p>
+        </p:txBody>
+      </p:sp>
+      <p:sp>
+        <p:nvSpPr>
+          <p:cNvPr id="42" name="TextBox 41">
+            <a:extLst>
+              <a:ext uri="{FF2B5EF4-FFF2-40B4-BE49-F238E27FC236}">
+                <a16:creationId xmlns:a16="http://schemas.microsoft.com/office/drawing/2014/main" id="{F01AD01B-756E-3C75-00F8-2AA8AE856F1D}"/>
+              </a:ext>
+            </a:extLst>
+          </p:cNvPr>
+          <p:cNvSpPr txBox="1"/>
+          <p:nvPr/>
+        </p:nvSpPr>
+        <p:spPr>
+          <a:xfrm>
+            <a:off x="8644270" y="4486936"/>
+            <a:ext cx="359394" cy="369332"/>
+          </a:xfrm>
+          <a:prstGeom prst="rect">
+            <a:avLst/>
+          </a:prstGeom>
+          <a:noFill/>
+        </p:spPr>
+        <p:txBody>
+          <a:bodyPr wrap="none" rtlCol="0">
+            <a:spAutoFit/>
+          </a:bodyPr>
+          <a:lstStyle/>
+          <a:p>
+            <a:r>
+              <a:rPr lang="en-SG" dirty="0" err="1"/>
+              <a:t>ui</a:t>
+            </a:r>
+            <a:endParaRPr lang="en-SG" dirty="0"/>
+          </a:p>
+        </p:txBody>
+      </p:sp>
+      <p:sp>
+        <p:nvSpPr>
+          <p:cNvPr id="43" name="TextBox 42">
+            <a:extLst>
+              <a:ext uri="{FF2B5EF4-FFF2-40B4-BE49-F238E27FC236}">
+                <a16:creationId xmlns:a16="http://schemas.microsoft.com/office/drawing/2014/main" id="{2EB02B31-1907-96C6-FB14-D5420ECA8D7B}"/>
+              </a:ext>
+            </a:extLst>
+          </p:cNvPr>
+          <p:cNvSpPr txBox="1"/>
+          <p:nvPr/>
+        </p:nvSpPr>
+        <p:spPr>
+          <a:xfrm>
+            <a:off x="7733084" y="4715853"/>
+            <a:ext cx="876907" cy="369332"/>
+          </a:xfrm>
+          <a:prstGeom prst="rect">
+            <a:avLst/>
+          </a:prstGeom>
+          <a:noFill/>
+        </p:spPr>
+        <p:txBody>
+          <a:bodyPr wrap="none" rtlCol="0">
+            <a:spAutoFit/>
+          </a:bodyPr>
+          <a:lstStyle/>
+          <a:p>
+            <a:r>
+              <a:rPr lang="en-SG" dirty="0"/>
+              <a:t>storage</a:t>
+            </a:r>
+          </a:p>
+        </p:txBody>
+      </p:sp>
+      <p:sp>
+        <p:nvSpPr>
+          <p:cNvPr id="44" name="TextBox 43">
+            <a:extLst>
+              <a:ext uri="{FF2B5EF4-FFF2-40B4-BE49-F238E27FC236}">
+                <a16:creationId xmlns:a16="http://schemas.microsoft.com/office/drawing/2014/main" id="{33AFC281-D8C8-539B-CDD2-E6F8ECC8A4AD}"/>
+              </a:ext>
+            </a:extLst>
+          </p:cNvPr>
+          <p:cNvSpPr txBox="1"/>
+          <p:nvPr/>
+        </p:nvSpPr>
+        <p:spPr>
+          <a:xfrm>
+            <a:off x="4286258" y="4341518"/>
+            <a:ext cx="833626" cy="369332"/>
+          </a:xfrm>
+          <a:prstGeom prst="rect">
+            <a:avLst/>
+          </a:prstGeom>
+          <a:noFill/>
+        </p:spPr>
+        <p:txBody>
+          <a:bodyPr wrap="none" rtlCol="0">
+            <a:spAutoFit/>
+          </a:bodyPr>
+          <a:lstStyle/>
+          <a:p>
+            <a:r>
+              <a:rPr lang="en-SG" dirty="0"/>
+              <a:t>throws</a:t>
+            </a:r>
+          </a:p>
+        </p:txBody>
+      </p:sp>
+      <p:sp>
+        <p:nvSpPr>
+          <p:cNvPr id="45" name="TextBox 44">
+            <a:extLst>
+              <a:ext uri="{FF2B5EF4-FFF2-40B4-BE49-F238E27FC236}">
+                <a16:creationId xmlns:a16="http://schemas.microsoft.com/office/drawing/2014/main" id="{5C62D3DF-BF7B-6DCA-86BE-1A100B33C0E7}"/>
+              </a:ext>
+            </a:extLst>
+          </p:cNvPr>
+          <p:cNvSpPr txBox="1"/>
+          <p:nvPr/>
+        </p:nvSpPr>
+        <p:spPr>
+          <a:xfrm>
+            <a:off x="5714308" y="3010061"/>
+            <a:ext cx="863121" cy="369332"/>
+          </a:xfrm>
+          <a:prstGeom prst="rect">
+            <a:avLst/>
+          </a:prstGeom>
+          <a:noFill/>
+        </p:spPr>
+        <p:txBody>
+          <a:bodyPr wrap="none" rtlCol="0">
+            <a:spAutoFit/>
+          </a:bodyPr>
+          <a:lstStyle/>
+          <a:p>
+            <a:r>
+              <a:rPr lang="en-SG" dirty="0"/>
+              <a:t>creates</a:t>
+            </a:r>
+          </a:p>
+        </p:txBody>
+      </p:sp>
+      <p:sp>
+        <p:nvSpPr>
+          <p:cNvPr id="46" name="TextBox 45">
+            <a:extLst>
+              <a:ext uri="{FF2B5EF4-FFF2-40B4-BE49-F238E27FC236}">
+                <a16:creationId xmlns:a16="http://schemas.microsoft.com/office/drawing/2014/main" id="{434A9A27-03B4-F08A-BC9B-D307A9B3F6EC}"/>
+              </a:ext>
+            </a:extLst>
+          </p:cNvPr>
+          <p:cNvSpPr txBox="1"/>
+          <p:nvPr/>
+        </p:nvSpPr>
+        <p:spPr>
+          <a:xfrm>
+            <a:off x="6615384" y="2445492"/>
+            <a:ext cx="1004570" cy="369332"/>
+          </a:xfrm>
+          <a:prstGeom prst="rect">
+            <a:avLst/>
+          </a:prstGeom>
+          <a:noFill/>
+        </p:spPr>
+        <p:txBody>
+          <a:bodyPr wrap="none" rtlCol="0">
+            <a:spAutoFit/>
+          </a:bodyPr>
+          <a:lstStyle/>
+          <a:p>
+            <a:r>
+              <a:rPr lang="en-SG" dirty="0"/>
+              <a:t>executes</a:t>
+            </a:r>
+          </a:p>
+        </p:txBody>
+      </p:sp>
+      <p:sp>
+        <p:nvSpPr>
+          <p:cNvPr id="47" name="TextBox 46">
+            <a:extLst>
+              <a:ext uri="{FF2B5EF4-FFF2-40B4-BE49-F238E27FC236}">
+                <a16:creationId xmlns:a16="http://schemas.microsoft.com/office/drawing/2014/main" id="{9600ECCF-3172-0F63-A5A5-4C7ABC04F595}"/>
+              </a:ext>
+            </a:extLst>
+          </p:cNvPr>
+          <p:cNvSpPr txBox="1"/>
+          <p:nvPr/>
+        </p:nvSpPr>
+        <p:spPr>
+          <a:xfrm>
+            <a:off x="4825557" y="1370594"/>
+            <a:ext cx="788229" cy="369332"/>
+          </a:xfrm>
+          <a:prstGeom prst="rect">
+            <a:avLst/>
+          </a:prstGeom>
+          <a:noFill/>
+        </p:spPr>
+        <p:txBody>
+          <a:bodyPr wrap="none" rtlCol="0">
+            <a:spAutoFit/>
+          </a:bodyPr>
+          <a:lstStyle/>
+          <a:p>
+            <a:r>
+              <a:rPr lang="en-SG" dirty="0"/>
+              <a:t>parses</a:t>
+            </a:r>
+          </a:p>
+        </p:txBody>
+      </p:sp>
+      <p:sp>
+        <p:nvSpPr>
+          <p:cNvPr id="49" name="TextBox 48">
+            <a:extLst>
+              <a:ext uri="{FF2B5EF4-FFF2-40B4-BE49-F238E27FC236}">
+                <a16:creationId xmlns:a16="http://schemas.microsoft.com/office/drawing/2014/main" id="{B4564FFB-02D1-2765-0546-350877CEE66E}"/>
+              </a:ext>
+            </a:extLst>
+          </p:cNvPr>
+          <p:cNvSpPr txBox="1"/>
+          <p:nvPr/>
+        </p:nvSpPr>
+        <p:spPr>
+          <a:xfrm>
+            <a:off x="1412957" y="2076160"/>
+            <a:ext cx="1152880" cy="369332"/>
+          </a:xfrm>
+          <a:prstGeom prst="rect">
+            <a:avLst/>
+          </a:prstGeom>
+          <a:noFill/>
+        </p:spPr>
+        <p:txBody>
+          <a:bodyPr wrap="none" rtlCol="0">
+            <a:spAutoFit/>
+          </a:bodyPr>
+          <a:lstStyle/>
+          <a:p>
+            <a:r>
+              <a:rPr lang="en-SG" dirty="0"/>
+              <a:t>Command</a:t>
+            </a:r>
+          </a:p>
+        </p:txBody>
+      </p:sp>
+    </p:spTree>
+    <p:extLst>
+      <p:ext uri="{BB962C8B-B14F-4D97-AF65-F5344CB8AC3E}">
+        <p14:creationId xmlns:p14="http://schemas.microsoft.com/office/powerpoint/2010/main" val="3647622831"/>
       </p:ext>
     </p:extLst>
   </p:cSld>
@@ -27932,9 +30261,12 @@
 </file>
 
 <file path=customXml/item1.xml><?xml version="1.0" encoding="utf-8"?>
-<p:properties xmlns:p="http://schemas.microsoft.com/office/2006/metadata/properties" xmlns:xsi="http://www.w3.org/2001/XMLSchema-instance" xmlns:pc="http://schemas.microsoft.com/office/infopath/2007/PartnerControls">
-  <documentManagement/>
-</p:properties>
+<?mso-contentType ?>
+<FormTemplates xmlns="http://schemas.microsoft.com/sharepoint/v3/contenttype/forms">
+  <Display>DocumentLibraryForm</Display>
+  <Edit>DocumentLibraryForm</Edit>
+  <New>DocumentLibraryForm</New>
+</FormTemplates>
 </file>
 
 <file path=customXml/item2.xml><?xml version="1.0" encoding="utf-8"?>
@@ -28070,26 +30402,15 @@
 </file>
 
 <file path=customXml/item3.xml><?xml version="1.0" encoding="utf-8"?>
-<?mso-contentType ?>
-<FormTemplates xmlns="http://schemas.microsoft.com/sharepoint/v3/contenttype/forms">
-  <Display>DocumentLibraryForm</Display>
-  <Edit>DocumentLibraryForm</Edit>
-  <New>DocumentLibraryForm</New>
-</FormTemplates>
+<p:properties xmlns:p="http://schemas.microsoft.com/office/2006/metadata/properties" xmlns:xsi="http://www.w3.org/2001/XMLSchema-instance" xmlns:pc="http://schemas.microsoft.com/office/infopath/2007/PartnerControls">
+  <documentManagement/>
+</p:properties>
 </file>
 
 <file path=customXml/itemProps1.xml><?xml version="1.0" encoding="utf-8"?>
-<ds:datastoreItem xmlns:ds="http://schemas.openxmlformats.org/officeDocument/2006/customXml" ds:itemID="{58CBE6D9-4BC4-4B0C-ABB8-C225BED46FFD}">
+<ds:datastoreItem xmlns:ds="http://schemas.openxmlformats.org/officeDocument/2006/customXml" ds:itemID="{59B52839-AD59-43D1-82DD-0E0311505F92}">
   <ds:schemaRefs>
-    <ds:schemaRef ds:uri="http://schemas.openxmlformats.org/package/2006/metadata/core-properties"/>
-    <ds:schemaRef ds:uri="http://www.w3.org/XML/1998/namespace"/>
-    <ds:schemaRef ds:uri="http://purl.org/dc/dcmitype/"/>
-    <ds:schemaRef ds:uri="http://purl.org/dc/elements/1.1/"/>
-    <ds:schemaRef ds:uri="http://schemas.microsoft.com/office/2006/documentManagement/types"/>
-    <ds:schemaRef ds:uri="http://schemas.microsoft.com/office/infopath/2007/PartnerControls"/>
-    <ds:schemaRef ds:uri="http://schemas.microsoft.com/office/2006/metadata/properties"/>
-    <ds:schemaRef ds:uri="http://purl.org/dc/terms/"/>
-    <ds:schemaRef ds:uri="62ebaf27-0928-4937-90bf-f45e3892230c"/>
+    <ds:schemaRef ds:uri="http://schemas.microsoft.com/sharepoint/v3/contenttype/forms"/>
   </ds:schemaRefs>
 </ds:datastoreItem>
 </file>
@@ -28113,9 +30434,17 @@
 </file>
 
 <file path=customXml/itemProps3.xml><?xml version="1.0" encoding="utf-8"?>
-<ds:datastoreItem xmlns:ds="http://schemas.openxmlformats.org/officeDocument/2006/customXml" ds:itemID="{59B52839-AD59-43D1-82DD-0E0311505F92}">
+<ds:datastoreItem xmlns:ds="http://schemas.openxmlformats.org/officeDocument/2006/customXml" ds:itemID="{58CBE6D9-4BC4-4B0C-ABB8-C225BED46FFD}">
   <ds:schemaRefs>
-    <ds:schemaRef ds:uri="http://schemas.microsoft.com/sharepoint/v3/contenttype/forms"/>
+    <ds:schemaRef ds:uri="http://schemas.openxmlformats.org/package/2006/metadata/core-properties"/>
+    <ds:schemaRef ds:uri="http://www.w3.org/XML/1998/namespace"/>
+    <ds:schemaRef ds:uri="http://purl.org/dc/dcmitype/"/>
+    <ds:schemaRef ds:uri="http://purl.org/dc/elements/1.1/"/>
+    <ds:schemaRef ds:uri="http://schemas.microsoft.com/office/2006/documentManagement/types"/>
+    <ds:schemaRef ds:uri="http://schemas.microsoft.com/office/infopath/2007/PartnerControls"/>
+    <ds:schemaRef ds:uri="http://schemas.microsoft.com/office/2006/metadata/properties"/>
+    <ds:schemaRef ds:uri="http://purl.org/dc/terms/"/>
+    <ds:schemaRef ds:uri="62ebaf27-0928-4937-90bf-f45e3892230c"/>
   </ds:schemaRefs>
 </ds:datastoreItem>
 </file>